--- a/phase 1 project presentation.pptx
+++ b/phase 1 project presentation.pptx
@@ -6,20 +6,23 @@
   </p:sldMasterIdLst>
   <p:sldIdLst>
     <p:sldId id="299" r:id="rId2"/>
-    <p:sldId id="264" r:id="rId3"/>
-    <p:sldId id="265" r:id="rId4"/>
-    <p:sldId id="266" r:id="rId5"/>
+    <p:sldId id="308" r:id="rId3"/>
+    <p:sldId id="309" r:id="rId4"/>
+    <p:sldId id="313" r:id="rId5"/>
     <p:sldId id="300" r:id="rId6"/>
     <p:sldId id="301" r:id="rId7"/>
     <p:sldId id="302" r:id="rId8"/>
     <p:sldId id="303" r:id="rId9"/>
-    <p:sldId id="282" r:id="rId10"/>
+    <p:sldId id="314" r:id="rId10"/>
     <p:sldId id="304" r:id="rId11"/>
     <p:sldId id="305" r:id="rId12"/>
     <p:sldId id="306" r:id="rId13"/>
     <p:sldId id="307" r:id="rId14"/>
-    <p:sldId id="296" r:id="rId15"/>
-    <p:sldId id="297" r:id="rId16"/>
+    <p:sldId id="311" r:id="rId15"/>
+    <p:sldId id="312" r:id="rId16"/>
+    <p:sldId id="296" r:id="rId17"/>
+    <p:sldId id="310" r:id="rId18"/>
+    <p:sldId id="297" r:id="rId19"/>
   </p:sldIdLst>
   <p:sldSz cx="12192000" cy="6858000"/>
   <p:notesSz cx="6858000" cy="9144000"/>
@@ -5916,7 +5919,7 @@
         </p:blipFill>
         <p:spPr bwMode="auto">
           <a:xfrm>
-            <a:off x="5054159" y="3372978"/>
+            <a:off x="5039871" y="3372978"/>
             <a:ext cx="2137722" cy="1332685"/>
           </a:xfrm>
           <a:prstGeom prst="rect">
@@ -6479,7 +6482,7 @@
         <p:spPr>
           <a:xfrm>
             <a:off x="2956358" y="876300"/>
-            <a:ext cx="6279283" cy="769441"/>
+            <a:ext cx="6907917" cy="769441"/>
           </a:xfrm>
           <a:prstGeom prst="rect">
             <a:avLst/>
@@ -6494,7 +6497,7 @@
           <a:p>
             <a:r>
               <a:rPr lang="en-US" sz="4400" dirty="0"/>
-              <a:t>“past profit” — an example</a:t>
+              <a:t>“profit history” — an example</a:t>
             </a:r>
           </a:p>
         </p:txBody>
@@ -6561,7 +6564,7 @@
         <p:spPr>
           <a:xfrm>
             <a:off x="1651321" y="4569668"/>
-            <a:ext cx="2610073" cy="830997"/>
+            <a:ext cx="2610073" cy="1200329"/>
           </a:xfrm>
           <a:prstGeom prst="rect">
             <a:avLst/>
@@ -6585,6 +6588,124 @@
             <a:r>
               <a:rPr lang="en-US" sz="2400" dirty="0"/>
               <a:t>dir. Steven Spielberg</a:t>
+            </a:r>
+          </a:p>
+          <a:p>
+            <a:pPr algn="ctr"/>
+            <a:r>
+              <a:rPr lang="en-US" sz="2400" dirty="0"/>
+              <a:t>profit: $1.75 billion</a:t>
+            </a:r>
+          </a:p>
+        </p:txBody>
+      </p:sp>
+      <p:sp>
+        <p:nvSpPr>
+          <p:cNvPr id="5" name="TextBox 4">
+            <a:extLst>
+              <a:ext uri="{FF2B5EF4-FFF2-40B4-BE49-F238E27FC236}">
+                <a16:creationId xmlns:a16="http://schemas.microsoft.com/office/drawing/2014/main" id="{89E243B4-35E0-14E3-E86D-4FB362ECD972}"/>
+              </a:ext>
+            </a:extLst>
+          </p:cNvPr>
+          <p:cNvSpPr txBox="1"/>
+          <p:nvPr/>
+        </p:nvSpPr>
+        <p:spPr>
+          <a:xfrm>
+            <a:off x="6049041" y="1672719"/>
+            <a:ext cx="4611070" cy="2954655"/>
+          </a:xfrm>
+          <a:prstGeom prst="rect">
+            <a:avLst/>
+          </a:prstGeom>
+          <a:noFill/>
+        </p:spPr>
+        <p:txBody>
+          <a:bodyPr wrap="none" rtlCol="0">
+            <a:spAutoFit/>
+          </a:bodyPr>
+          <a:lstStyle/>
+          <a:p>
+            <a:r>
+              <a:rPr lang="en-US" dirty="0"/>
+              <a:t>…</a:t>
+            </a:r>
+          </a:p>
+          <a:p>
+            <a:pPr marL="285750" indent="-285750">
+              <a:buFont typeface="Arial" panose="020B0604020202020204" pitchFamily="34" charset="0"/>
+              <a:buChar char="•"/>
+            </a:pPr>
+            <a:r>
+              <a:rPr lang="en-US" dirty="0"/>
+              <a:t>1984: Indiana Jones and the Temple of Doom</a:t>
+            </a:r>
+          </a:p>
+          <a:p>
+            <a:pPr marL="285750" indent="-285750">
+              <a:buFont typeface="Arial" panose="020B0604020202020204" pitchFamily="34" charset="0"/>
+              <a:buChar char="•"/>
+            </a:pPr>
+            <a:r>
+              <a:rPr lang="en-US" dirty="0"/>
+              <a:t>1985: The Color Purple</a:t>
+            </a:r>
+          </a:p>
+          <a:p>
+            <a:pPr marL="285750" indent="-285750">
+              <a:buFont typeface="Arial" panose="020B0604020202020204" pitchFamily="34" charset="0"/>
+              <a:buChar char="•"/>
+            </a:pPr>
+            <a:r>
+              <a:rPr lang="en-US" dirty="0"/>
+              <a:t>1987: Empire of the Sun</a:t>
+            </a:r>
+          </a:p>
+          <a:p>
+            <a:pPr marL="285750" indent="-285750">
+              <a:buFont typeface="Arial" panose="020B0604020202020204" pitchFamily="34" charset="0"/>
+              <a:buChar char="•"/>
+            </a:pPr>
+            <a:r>
+              <a:rPr lang="en-US" dirty="0"/>
+              <a:t>1989: Indiana Jones and the Last Crusade</a:t>
+            </a:r>
+          </a:p>
+          <a:p>
+            <a:pPr marL="285750" indent="-285750">
+              <a:buFont typeface="Arial" panose="020B0604020202020204" pitchFamily="34" charset="0"/>
+              <a:buChar char="•"/>
+            </a:pPr>
+            <a:r>
+              <a:rPr lang="en-US" dirty="0"/>
+              <a:t>1991: Hook</a:t>
+            </a:r>
+          </a:p>
+          <a:p>
+            <a:pPr marL="285750" indent="-285750">
+              <a:buFont typeface="Arial" panose="020B0604020202020204" pitchFamily="34" charset="0"/>
+              <a:buChar char="•"/>
+            </a:pPr>
+            <a:r>
+              <a:rPr lang="en-US" dirty="0"/>
+              <a:t>1993: </a:t>
+            </a:r>
+            <a:r>
+              <a:rPr lang="en-US" b="1" dirty="0"/>
+              <a:t>JURASSIC PARK</a:t>
+            </a:r>
+          </a:p>
+          <a:p>
+            <a:endParaRPr lang="en-US" dirty="0"/>
+          </a:p>
+          <a:p>
+            <a:endParaRPr lang="en-US" dirty="0"/>
+          </a:p>
+          <a:p>
+            <a:r>
+              <a:rPr lang="en-US" sz="2400" dirty="0"/>
+              <a:t>avg. profit 1975-1992: $883 million</a:t>
             </a:r>
           </a:p>
         </p:txBody>
@@ -6603,8 +6724,8 @@
         </p:nvSpPr>
         <p:spPr>
           <a:xfrm>
-            <a:off x="6053806" y="1848941"/>
-            <a:ext cx="4611070" cy="4062651"/>
+            <a:off x="6053806" y="1677487"/>
+            <a:ext cx="4611070" cy="4431983"/>
           </a:xfrm>
           <a:prstGeom prst="rect">
             <a:avLst/>
@@ -6629,7 +6750,7 @@
             </a:pPr>
             <a:r>
               <a:rPr lang="en-US" dirty="0"/>
-              <a:t>1981: Indiana Jones and the Temple of Doom</a:t>
+              <a:t>1984: Indiana Jones and the Temple of Doom</a:t>
             </a:r>
           </a:p>
           <a:p>
@@ -6678,8 +6799,12 @@
               <a:buChar char="•"/>
             </a:pPr>
             <a:r>
-              <a:rPr lang="en-US" sz="2400" i="1" dirty="0"/>
-              <a:t>1993: Jurassic Park</a:t>
+              <a:rPr lang="en-US" dirty="0"/>
+              <a:t>1993: </a:t>
+            </a:r>
+            <a:r>
+              <a:rPr lang="en-US" b="1" dirty="0"/>
+              <a:t>JURASSIC PARK</a:t>
             </a:r>
           </a:p>
           <a:p>
@@ -6689,11 +6814,7 @@
             </a:pPr>
             <a:r>
               <a:rPr lang="en-US" dirty="0"/>
-              <a:t>1993: </a:t>
-            </a:r>
-            <a:r>
-              <a:rPr lang="en-US" strike="sngStrike" dirty="0"/>
-              <a:t>Schindler’s List</a:t>
+              <a:t>1993: Schindler’s List</a:t>
             </a:r>
           </a:p>
           <a:p>
@@ -6703,11 +6824,7 @@
             </a:pPr>
             <a:r>
               <a:rPr lang="en-US" dirty="0"/>
-              <a:t>1997: </a:t>
-            </a:r>
-            <a:r>
-              <a:rPr lang="en-US" strike="sngStrike" dirty="0"/>
-              <a:t>The Lost World</a:t>
+              <a:t>1997: The Lost World</a:t>
             </a:r>
           </a:p>
           <a:p>
@@ -6717,11 +6834,7 @@
             </a:pPr>
             <a:r>
               <a:rPr lang="en-US" dirty="0"/>
-              <a:t>1997: </a:t>
-            </a:r>
-            <a:r>
-              <a:rPr lang="en-US" strike="sngStrike" dirty="0"/>
-              <a:t>Amistad</a:t>
+              <a:t>1997: Amistad</a:t>
             </a:r>
           </a:p>
           <a:p>
@@ -6731,11 +6844,7 @@
             </a:pPr>
             <a:r>
               <a:rPr lang="en-US" dirty="0"/>
-              <a:t>1998: </a:t>
-            </a:r>
-            <a:r>
-              <a:rPr lang="en-US" strike="sngStrike" dirty="0"/>
-              <a:t>Saving Private Ryan</a:t>
+              <a:t>1998: Saving Private Ryan</a:t>
             </a:r>
           </a:p>
           <a:p>
@@ -6745,11 +6854,7 @@
             </a:pPr>
             <a:r>
               <a:rPr lang="en-US" dirty="0"/>
-              <a:t>2001: </a:t>
-            </a:r>
-            <a:r>
-              <a:rPr lang="en-US" strike="sngStrike" dirty="0"/>
-              <a:t>A.I.</a:t>
+              <a:t>2001: A.I.</a:t>
             </a:r>
           </a:p>
           <a:p>
@@ -6759,11 +6864,10 @@
             </a:r>
           </a:p>
           <a:p>
-            <a:pPr marL="285750" indent="-285750">
-              <a:buFont typeface="Arial" panose="020B0604020202020204" pitchFamily="34" charset="0"/>
-              <a:buChar char="•"/>
-            </a:pPr>
             <a:endParaRPr lang="en-US" dirty="0"/>
+          </a:p>
+          <a:p>
+            <a:endParaRPr lang="en-US" sz="2400" dirty="0"/>
           </a:p>
         </p:txBody>
       </p:sp>
@@ -6777,6 +6881,349 @@
   <p:clrMapOvr>
     <a:masterClrMapping/>
   </p:clrMapOvr>
+  <p:timing>
+    <p:tnLst>
+      <p:par>
+        <p:cTn id="1" dur="indefinite" restart="never" nodeType="tmRoot">
+          <p:childTnLst>
+            <p:seq concurrent="1" nextAc="seek">
+              <p:cTn id="2" dur="indefinite" nodeType="mainSeq">
+                <p:childTnLst>
+                  <p:par>
+                    <p:cTn id="3" fill="hold">
+                      <p:stCondLst>
+                        <p:cond delay="indefinite"/>
+                      </p:stCondLst>
+                      <p:childTnLst>
+                        <p:par>
+                          <p:cTn id="4" fill="hold">
+                            <p:stCondLst>
+                              <p:cond delay="0"/>
+                            </p:stCondLst>
+                            <p:childTnLst>
+                              <p:par>
+                                <p:cTn id="5" presetID="35" presetClass="entr" presetSubtype="0" fill="hold" nodeType="clickEffect">
+                                  <p:stCondLst>
+                                    <p:cond delay="0"/>
+                                  </p:stCondLst>
+                                  <p:childTnLst>
+                                    <p:set>
+                                      <p:cBhvr>
+                                        <p:cTn id="6" dur="1" fill="hold">
+                                          <p:stCondLst>
+                                            <p:cond delay="0"/>
+                                          </p:stCondLst>
+                                        </p:cTn>
+                                        <p:tgtEl>
+                                          <p:spTgt spid="7170"/>
+                                        </p:tgtEl>
+                                        <p:attrNameLst>
+                                          <p:attrName>style.visibility</p:attrName>
+                                        </p:attrNameLst>
+                                      </p:cBhvr>
+                                      <p:to>
+                                        <p:strVal val="visible"/>
+                                      </p:to>
+                                    </p:set>
+                                    <p:animEffect transition="in" filter="fade">
+                                      <p:cBhvr>
+                                        <p:cTn id="7" dur="500"/>
+                                        <p:tgtEl>
+                                          <p:spTgt spid="7170"/>
+                                        </p:tgtEl>
+                                      </p:cBhvr>
+                                    </p:animEffect>
+                                    <p:anim calcmode="lin" valueType="num">
+                                      <p:cBhvr>
+                                        <p:cTn id="8" dur="500" fill="hold"/>
+                                        <p:tgtEl>
+                                          <p:spTgt spid="7170"/>
+                                        </p:tgtEl>
+                                        <p:attrNameLst>
+                                          <p:attrName>style.rotation</p:attrName>
+                                        </p:attrNameLst>
+                                      </p:cBhvr>
+                                      <p:tavLst>
+                                        <p:tav tm="0">
+                                          <p:val>
+                                            <p:fltVal val="720"/>
+                                          </p:val>
+                                        </p:tav>
+                                        <p:tav tm="100000">
+                                          <p:val>
+                                            <p:fltVal val="0"/>
+                                          </p:val>
+                                        </p:tav>
+                                      </p:tavLst>
+                                    </p:anim>
+                                    <p:anim calcmode="lin" valueType="num">
+                                      <p:cBhvr>
+                                        <p:cTn id="9" dur="500" fill="hold"/>
+                                        <p:tgtEl>
+                                          <p:spTgt spid="7170"/>
+                                        </p:tgtEl>
+                                        <p:attrNameLst>
+                                          <p:attrName>ppt_h</p:attrName>
+                                        </p:attrNameLst>
+                                      </p:cBhvr>
+                                      <p:tavLst>
+                                        <p:tav tm="0">
+                                          <p:val>
+                                            <p:fltVal val="0"/>
+                                          </p:val>
+                                        </p:tav>
+                                        <p:tav tm="100000">
+                                          <p:val>
+                                            <p:strVal val="#ppt_h"/>
+                                          </p:val>
+                                        </p:tav>
+                                      </p:tavLst>
+                                    </p:anim>
+                                    <p:anim calcmode="lin" valueType="num">
+                                      <p:cBhvr>
+                                        <p:cTn id="10" dur="500" fill="hold"/>
+                                        <p:tgtEl>
+                                          <p:spTgt spid="7170"/>
+                                        </p:tgtEl>
+                                        <p:attrNameLst>
+                                          <p:attrName>ppt_w</p:attrName>
+                                        </p:attrNameLst>
+                                      </p:cBhvr>
+                                      <p:tavLst>
+                                        <p:tav tm="0">
+                                          <p:val>
+                                            <p:fltVal val="0"/>
+                                          </p:val>
+                                        </p:tav>
+                                        <p:tav tm="100000">
+                                          <p:val>
+                                            <p:strVal val="#ppt_w"/>
+                                          </p:val>
+                                        </p:tav>
+                                      </p:tavLst>
+                                    </p:anim>
+                                  </p:childTnLst>
+                                </p:cTn>
+                              </p:par>
+                            </p:childTnLst>
+                          </p:cTn>
+                        </p:par>
+                        <p:par>
+                          <p:cTn id="11" fill="hold">
+                            <p:stCondLst>
+                              <p:cond delay="500"/>
+                            </p:stCondLst>
+                            <p:childTnLst>
+                              <p:par>
+                                <p:cTn id="12" presetID="10" presetClass="entr" presetSubtype="0" fill="hold" grpId="0" nodeType="afterEffect">
+                                  <p:stCondLst>
+                                    <p:cond delay="0"/>
+                                  </p:stCondLst>
+                                  <p:childTnLst>
+                                    <p:set>
+                                      <p:cBhvr>
+                                        <p:cTn id="13" dur="1" fill="hold">
+                                          <p:stCondLst>
+                                            <p:cond delay="0"/>
+                                          </p:stCondLst>
+                                        </p:cTn>
+                                        <p:tgtEl>
+                                          <p:spTgt spid="3"/>
+                                        </p:tgtEl>
+                                        <p:attrNameLst>
+                                          <p:attrName>style.visibility</p:attrName>
+                                        </p:attrNameLst>
+                                      </p:cBhvr>
+                                      <p:to>
+                                        <p:strVal val="visible"/>
+                                      </p:to>
+                                    </p:set>
+                                    <p:animEffect transition="in" filter="fade">
+                                      <p:cBhvr>
+                                        <p:cTn id="14" dur="2000"/>
+                                        <p:tgtEl>
+                                          <p:spTgt spid="3"/>
+                                        </p:tgtEl>
+                                      </p:cBhvr>
+                                    </p:animEffect>
+                                  </p:childTnLst>
+                                </p:cTn>
+                              </p:par>
+                            </p:childTnLst>
+                          </p:cTn>
+                        </p:par>
+                      </p:childTnLst>
+                    </p:cTn>
+                  </p:par>
+                  <p:par>
+                    <p:cTn id="15" fill="hold">
+                      <p:stCondLst>
+                        <p:cond delay="indefinite"/>
+                      </p:stCondLst>
+                      <p:childTnLst>
+                        <p:par>
+                          <p:cTn id="16" fill="hold">
+                            <p:stCondLst>
+                              <p:cond delay="0"/>
+                            </p:stCondLst>
+                            <p:childTnLst>
+                              <p:par>
+                                <p:cTn id="17" presetID="9" presetClass="entr" presetSubtype="0" fill="hold" grpId="0" nodeType="clickEffect">
+                                  <p:stCondLst>
+                                    <p:cond delay="0"/>
+                                  </p:stCondLst>
+                                  <p:childTnLst>
+                                    <p:set>
+                                      <p:cBhvr>
+                                        <p:cTn id="18" dur="1" fill="hold">
+                                          <p:stCondLst>
+                                            <p:cond delay="0"/>
+                                          </p:stCondLst>
+                                        </p:cTn>
+                                        <p:tgtEl>
+                                          <p:spTgt spid="4"/>
+                                        </p:tgtEl>
+                                        <p:attrNameLst>
+                                          <p:attrName>style.visibility</p:attrName>
+                                        </p:attrNameLst>
+                                      </p:cBhvr>
+                                      <p:to>
+                                        <p:strVal val="visible"/>
+                                      </p:to>
+                                    </p:set>
+                                    <p:animEffect transition="in" filter="dissolve">
+                                      <p:cBhvr>
+                                        <p:cTn id="19" dur="500"/>
+                                        <p:tgtEl>
+                                          <p:spTgt spid="4"/>
+                                        </p:tgtEl>
+                                      </p:cBhvr>
+                                    </p:animEffect>
+                                  </p:childTnLst>
+                                </p:cTn>
+                              </p:par>
+                            </p:childTnLst>
+                          </p:cTn>
+                        </p:par>
+                      </p:childTnLst>
+                    </p:cTn>
+                  </p:par>
+                  <p:par>
+                    <p:cTn id="20" fill="hold">
+                      <p:stCondLst>
+                        <p:cond delay="indefinite"/>
+                      </p:stCondLst>
+                      <p:childTnLst>
+                        <p:par>
+                          <p:cTn id="21" fill="hold">
+                            <p:stCondLst>
+                              <p:cond delay="0"/>
+                            </p:stCondLst>
+                            <p:childTnLst>
+                              <p:par>
+                                <p:cTn id="22" presetID="10" presetClass="entr" presetSubtype="0" fill="hold" grpId="0" nodeType="clickEffect">
+                                  <p:stCondLst>
+                                    <p:cond delay="0"/>
+                                  </p:stCondLst>
+                                  <p:childTnLst>
+                                    <p:set>
+                                      <p:cBhvr>
+                                        <p:cTn id="23" dur="1" fill="hold">
+                                          <p:stCondLst>
+                                            <p:cond delay="0"/>
+                                          </p:stCondLst>
+                                        </p:cTn>
+                                        <p:tgtEl>
+                                          <p:spTgt spid="5"/>
+                                        </p:tgtEl>
+                                        <p:attrNameLst>
+                                          <p:attrName>style.visibility</p:attrName>
+                                        </p:attrNameLst>
+                                      </p:cBhvr>
+                                      <p:to>
+                                        <p:strVal val="visible"/>
+                                      </p:to>
+                                    </p:set>
+                                    <p:animEffect transition="in" filter="fade">
+                                      <p:cBhvr>
+                                        <p:cTn id="24" dur="1000"/>
+                                        <p:tgtEl>
+                                          <p:spTgt spid="5"/>
+                                        </p:tgtEl>
+                                      </p:cBhvr>
+                                    </p:animEffect>
+                                  </p:childTnLst>
+                                </p:cTn>
+                              </p:par>
+                              <p:par>
+                                <p:cTn id="25" presetID="10" presetClass="exit" presetSubtype="0" fill="hold" grpId="1" nodeType="withEffect">
+                                  <p:stCondLst>
+                                    <p:cond delay="0"/>
+                                  </p:stCondLst>
+                                  <p:childTnLst>
+                                    <p:animEffect transition="out" filter="fade">
+                                      <p:cBhvr>
+                                        <p:cTn id="26" dur="1000"/>
+                                        <p:tgtEl>
+                                          <p:spTgt spid="4"/>
+                                        </p:tgtEl>
+                                      </p:cBhvr>
+                                    </p:animEffect>
+                                    <p:set>
+                                      <p:cBhvr>
+                                        <p:cTn id="27" dur="1" fill="hold">
+                                          <p:stCondLst>
+                                            <p:cond delay="999"/>
+                                          </p:stCondLst>
+                                        </p:cTn>
+                                        <p:tgtEl>
+                                          <p:spTgt spid="4"/>
+                                        </p:tgtEl>
+                                        <p:attrNameLst>
+                                          <p:attrName>style.visibility</p:attrName>
+                                        </p:attrNameLst>
+                                      </p:cBhvr>
+                                      <p:to>
+                                        <p:strVal val="hidden"/>
+                                      </p:to>
+                                    </p:set>
+                                  </p:childTnLst>
+                                </p:cTn>
+                              </p:par>
+                            </p:childTnLst>
+                          </p:cTn>
+                        </p:par>
+                      </p:childTnLst>
+                    </p:cTn>
+                  </p:par>
+                </p:childTnLst>
+              </p:cTn>
+              <p:prevCondLst>
+                <p:cond evt="onPrev" delay="0">
+                  <p:tgtEl>
+                    <p:sldTgt/>
+                  </p:tgtEl>
+                </p:cond>
+              </p:prevCondLst>
+              <p:nextCondLst>
+                <p:cond evt="onNext" delay="0">
+                  <p:tgtEl>
+                    <p:sldTgt/>
+                  </p:tgtEl>
+                </p:cond>
+              </p:nextCondLst>
+            </p:seq>
+          </p:childTnLst>
+        </p:cTn>
+      </p:par>
+    </p:tnLst>
+    <p:bldLst>
+      <p:bldP spid="3" grpId="0"/>
+      <p:bldP spid="5" grpId="0"/>
+      <p:bldP spid="4" grpId="0"/>
+      <p:bldP spid="4" grpId="1"/>
+    </p:bldLst>
+  </p:timing>
 </p:sld>
 </file>
 
@@ -6797,6 +7244,340 @@
           <a:chExt cx="0" cy="0"/>
         </a:xfrm>
       </p:grpSpPr>
+      <p:pic>
+        <p:nvPicPr>
+          <p:cNvPr id="3078" name="Picture 6">
+            <a:extLst>
+              <a:ext uri="{FF2B5EF4-FFF2-40B4-BE49-F238E27FC236}">
+                <a16:creationId xmlns:a16="http://schemas.microsoft.com/office/drawing/2014/main" id="{BD3C284F-CE9E-FFEF-82CF-6D7E69C9158D}"/>
+              </a:ext>
+            </a:extLst>
+          </p:cNvPr>
+          <p:cNvPicPr>
+            <a:picLocks noChangeAspect="1" noChangeArrowheads="1"/>
+          </p:cNvPicPr>
+          <p:nvPr/>
+        </p:nvPicPr>
+        <p:blipFill>
+          <a:blip r:embed="rId2">
+            <a:extLst>
+              <a:ext uri="{28A0092B-C50C-407E-A947-70E740481C1C}">
+                <a14:useLocalDpi xmlns:a14="http://schemas.microsoft.com/office/drawing/2010/main" val="0"/>
+              </a:ext>
+            </a:extLst>
+          </a:blip>
+          <a:srcRect/>
+          <a:stretch>
+            <a:fillRect/>
+          </a:stretch>
+        </p:blipFill>
+        <p:spPr bwMode="auto">
+          <a:xfrm>
+            <a:off x="942960" y="2452688"/>
+            <a:ext cx="4940300" cy="3581400"/>
+          </a:xfrm>
+          <a:prstGeom prst="rect">
+            <a:avLst/>
+          </a:prstGeom>
+          <a:noFill/>
+          <a:extLst>
+            <a:ext uri="{909E8E84-426E-40DD-AFC4-6F175D3DCCD1}">
+              <a14:hiddenFill xmlns:a14="http://schemas.microsoft.com/office/drawing/2010/main">
+                <a:solidFill>
+                  <a:srgbClr val="FFFFFF"/>
+                </a:solidFill>
+              </a14:hiddenFill>
+            </a:ext>
+          </a:extLst>
+        </p:spPr>
+      </p:pic>
+      <p:pic>
+        <p:nvPicPr>
+          <p:cNvPr id="3080" name="Picture 8">
+            <a:extLst>
+              <a:ext uri="{FF2B5EF4-FFF2-40B4-BE49-F238E27FC236}">
+                <a16:creationId xmlns:a16="http://schemas.microsoft.com/office/drawing/2014/main" id="{30118188-0BE1-93B2-8B4B-6FADC13511DE}"/>
+              </a:ext>
+            </a:extLst>
+          </p:cNvPr>
+          <p:cNvPicPr>
+            <a:picLocks noChangeAspect="1" noChangeArrowheads="1"/>
+          </p:cNvPicPr>
+          <p:nvPr/>
+        </p:nvPicPr>
+        <p:blipFill>
+          <a:blip r:embed="rId3">
+            <a:extLst>
+              <a:ext uri="{28A0092B-C50C-407E-A947-70E740481C1C}">
+                <a14:useLocalDpi xmlns:a14="http://schemas.microsoft.com/office/drawing/2010/main" val="0"/>
+              </a:ext>
+            </a:extLst>
+          </a:blip>
+          <a:srcRect/>
+          <a:stretch>
+            <a:fillRect/>
+          </a:stretch>
+        </p:blipFill>
+        <p:spPr bwMode="auto">
+          <a:xfrm>
+            <a:off x="6308742" y="2452688"/>
+            <a:ext cx="4889500" cy="3581400"/>
+          </a:xfrm>
+          <a:prstGeom prst="rect">
+            <a:avLst/>
+          </a:prstGeom>
+          <a:noFill/>
+          <a:extLst>
+            <a:ext uri="{909E8E84-426E-40DD-AFC4-6F175D3DCCD1}">
+              <a14:hiddenFill xmlns:a14="http://schemas.microsoft.com/office/drawing/2010/main">
+                <a:solidFill>
+                  <a:srgbClr val="FFFFFF"/>
+                </a:solidFill>
+              </a14:hiddenFill>
+            </a:ext>
+          </a:extLst>
+        </p:spPr>
+      </p:pic>
+      <p:sp>
+        <p:nvSpPr>
+          <p:cNvPr id="2" name="TextBox 1">
+            <a:extLst>
+              <a:ext uri="{FF2B5EF4-FFF2-40B4-BE49-F238E27FC236}">
+                <a16:creationId xmlns:a16="http://schemas.microsoft.com/office/drawing/2014/main" id="{00E06D62-3FA0-E0BA-6FBF-CF0D677A8E83}"/>
+              </a:ext>
+            </a:extLst>
+          </p:cNvPr>
+          <p:cNvSpPr txBox="1"/>
+          <p:nvPr/>
+        </p:nvSpPr>
+        <p:spPr>
+          <a:xfrm>
+            <a:off x="4704649" y="823912"/>
+            <a:ext cx="3208186" cy="1446550"/>
+          </a:xfrm>
+          <a:prstGeom prst="rect">
+            <a:avLst/>
+          </a:prstGeom>
+          <a:noFill/>
+        </p:spPr>
+        <p:txBody>
+          <a:bodyPr wrap="none" rtlCol="0">
+            <a:spAutoFit/>
+          </a:bodyPr>
+          <a:lstStyle/>
+          <a:p>
+            <a:pPr algn="ctr"/>
+            <a:r>
+              <a:rPr lang="en-US" sz="4400" dirty="0"/>
+              <a:t>profit history:</a:t>
+            </a:r>
+          </a:p>
+          <a:p>
+            <a:pPr algn="ctr"/>
+            <a:r>
+              <a:rPr lang="en-US" sz="4400" dirty="0"/>
+              <a:t>directors</a:t>
+            </a:r>
+          </a:p>
+        </p:txBody>
+      </p:sp>
+    </p:spTree>
+    <p:extLst>
+      <p:ext uri="{BB962C8B-B14F-4D97-AF65-F5344CB8AC3E}">
+        <p14:creationId xmlns:p14="http://schemas.microsoft.com/office/powerpoint/2010/main" val="3742204460"/>
+      </p:ext>
+    </p:extLst>
+  </p:cSld>
+  <p:clrMapOvr>
+    <a:masterClrMapping/>
+  </p:clrMapOvr>
+</p:sld>
+</file>
+
+<file path=ppt/slides/slide15.xml><?xml version="1.0" encoding="utf-8"?>
+<p:sld xmlns:a="http://schemas.openxmlformats.org/drawingml/2006/main" xmlns:r="http://schemas.openxmlformats.org/officeDocument/2006/relationships" xmlns:p="http://schemas.openxmlformats.org/presentationml/2006/main">
+  <p:cSld>
+    <p:spTree>
+      <p:nvGrpSpPr>
+        <p:cNvPr id="1" name=""/>
+        <p:cNvGrpSpPr/>
+        <p:nvPr/>
+      </p:nvGrpSpPr>
+      <p:grpSpPr>
+        <a:xfrm>
+          <a:off x="0" y="0"/>
+          <a:ext cx="0" cy="0"/>
+          <a:chOff x="0" y="0"/>
+          <a:chExt cx="0" cy="0"/>
+        </a:xfrm>
+      </p:grpSpPr>
+      <p:pic>
+        <p:nvPicPr>
+          <p:cNvPr id="5122" name="Picture 2">
+            <a:extLst>
+              <a:ext uri="{FF2B5EF4-FFF2-40B4-BE49-F238E27FC236}">
+                <a16:creationId xmlns:a16="http://schemas.microsoft.com/office/drawing/2014/main" id="{B987929F-87F2-3653-A0AE-8C4D2950F4D6}"/>
+              </a:ext>
+            </a:extLst>
+          </p:cNvPr>
+          <p:cNvPicPr>
+            <a:picLocks noChangeAspect="1" noChangeArrowheads="1"/>
+          </p:cNvPicPr>
+          <p:nvPr/>
+        </p:nvPicPr>
+        <p:blipFill>
+          <a:blip r:embed="rId2">
+            <a:extLst>
+              <a:ext uri="{28A0092B-C50C-407E-A947-70E740481C1C}">
+                <a14:useLocalDpi xmlns:a14="http://schemas.microsoft.com/office/drawing/2010/main" val="0"/>
+              </a:ext>
+            </a:extLst>
+          </a:blip>
+          <a:srcRect/>
+          <a:stretch>
+            <a:fillRect/>
+          </a:stretch>
+        </p:blipFill>
+        <p:spPr bwMode="auto">
+          <a:xfrm>
+            <a:off x="917560" y="2452688"/>
+            <a:ext cx="4991100" cy="3581400"/>
+          </a:xfrm>
+          <a:prstGeom prst="rect">
+            <a:avLst/>
+          </a:prstGeom>
+          <a:noFill/>
+          <a:extLst>
+            <a:ext uri="{909E8E84-426E-40DD-AFC4-6F175D3DCCD1}">
+              <a14:hiddenFill xmlns:a14="http://schemas.microsoft.com/office/drawing/2010/main">
+                <a:solidFill>
+                  <a:srgbClr val="FFFFFF"/>
+                </a:solidFill>
+              </a14:hiddenFill>
+            </a:ext>
+          </a:extLst>
+        </p:spPr>
+      </p:pic>
+      <p:pic>
+        <p:nvPicPr>
+          <p:cNvPr id="5124" name="Picture 4">
+            <a:extLst>
+              <a:ext uri="{FF2B5EF4-FFF2-40B4-BE49-F238E27FC236}">
+                <a16:creationId xmlns:a16="http://schemas.microsoft.com/office/drawing/2014/main" id="{CFCD2F27-9E11-0092-94AE-8FF57C35EE9B}"/>
+              </a:ext>
+            </a:extLst>
+          </p:cNvPr>
+          <p:cNvPicPr>
+            <a:picLocks noChangeAspect="1" noChangeArrowheads="1"/>
+          </p:cNvPicPr>
+          <p:nvPr/>
+        </p:nvPicPr>
+        <p:blipFill>
+          <a:blip r:embed="rId3">
+            <a:extLst>
+              <a:ext uri="{28A0092B-C50C-407E-A947-70E740481C1C}">
+                <a14:useLocalDpi xmlns:a14="http://schemas.microsoft.com/office/drawing/2010/main" val="0"/>
+              </a:ext>
+            </a:extLst>
+          </a:blip>
+          <a:srcRect/>
+          <a:stretch>
+            <a:fillRect/>
+          </a:stretch>
+        </p:blipFill>
+        <p:spPr bwMode="auto">
+          <a:xfrm>
+            <a:off x="6384942" y="2452688"/>
+            <a:ext cx="4813300" cy="3581400"/>
+          </a:xfrm>
+          <a:prstGeom prst="rect">
+            <a:avLst/>
+          </a:prstGeom>
+          <a:noFill/>
+          <a:extLst>
+            <a:ext uri="{909E8E84-426E-40DD-AFC4-6F175D3DCCD1}">
+              <a14:hiddenFill xmlns:a14="http://schemas.microsoft.com/office/drawing/2010/main">
+                <a:solidFill>
+                  <a:srgbClr val="FFFFFF"/>
+                </a:solidFill>
+              </a14:hiddenFill>
+            </a:ext>
+          </a:extLst>
+        </p:spPr>
+      </p:pic>
+      <p:sp>
+        <p:nvSpPr>
+          <p:cNvPr id="2" name="TextBox 1">
+            <a:extLst>
+              <a:ext uri="{FF2B5EF4-FFF2-40B4-BE49-F238E27FC236}">
+                <a16:creationId xmlns:a16="http://schemas.microsoft.com/office/drawing/2014/main" id="{DCA7B137-00EF-8A35-8897-9B44E15BD5AE}"/>
+              </a:ext>
+            </a:extLst>
+          </p:cNvPr>
+          <p:cNvSpPr txBox="1"/>
+          <p:nvPr/>
+        </p:nvSpPr>
+        <p:spPr>
+          <a:xfrm>
+            <a:off x="4704649" y="823912"/>
+            <a:ext cx="3208186" cy="1446550"/>
+          </a:xfrm>
+          <a:prstGeom prst="rect">
+            <a:avLst/>
+          </a:prstGeom>
+          <a:noFill/>
+        </p:spPr>
+        <p:txBody>
+          <a:bodyPr wrap="none" rtlCol="0">
+            <a:spAutoFit/>
+          </a:bodyPr>
+          <a:lstStyle/>
+          <a:p>
+            <a:pPr algn="ctr"/>
+            <a:r>
+              <a:rPr lang="en-US" sz="4400" dirty="0"/>
+              <a:t>profit history:</a:t>
+            </a:r>
+          </a:p>
+          <a:p>
+            <a:pPr algn="ctr"/>
+            <a:r>
+              <a:rPr lang="en-US" sz="4400" dirty="0"/>
+              <a:t>lead cast</a:t>
+            </a:r>
+          </a:p>
+        </p:txBody>
+      </p:sp>
+    </p:spTree>
+    <p:extLst>
+      <p:ext uri="{BB962C8B-B14F-4D97-AF65-F5344CB8AC3E}">
+        <p14:creationId xmlns:p14="http://schemas.microsoft.com/office/powerpoint/2010/main" val="1625106674"/>
+      </p:ext>
+    </p:extLst>
+  </p:cSld>
+  <p:clrMapOvr>
+    <a:masterClrMapping/>
+  </p:clrMapOvr>
+</p:sld>
+</file>
+
+<file path=ppt/slides/slide16.xml><?xml version="1.0" encoding="utf-8"?>
+<p:sld xmlns:a="http://schemas.openxmlformats.org/drawingml/2006/main" xmlns:r="http://schemas.openxmlformats.org/officeDocument/2006/relationships" xmlns:p="http://schemas.openxmlformats.org/presentationml/2006/main">
+  <p:cSld>
+    <p:spTree>
+      <p:nvGrpSpPr>
+        <p:cNvPr id="1" name=""/>
+        <p:cNvGrpSpPr/>
+        <p:nvPr/>
+      </p:nvGrpSpPr>
+      <p:grpSpPr>
+        <a:xfrm>
+          <a:off x="0" y="0"/>
+          <a:ext cx="0" cy="0"/>
+          <a:chOff x="0" y="0"/>
+          <a:chExt cx="0" cy="0"/>
+        </a:xfrm>
+      </p:grpSpPr>
       <p:sp>
         <p:nvSpPr>
           <p:cNvPr id="2" name="Title 1">
@@ -6820,7 +7601,7 @@
           <a:p>
             <a:r>
               <a:rPr lang="en-US" dirty="0"/>
-              <a:t>Recommendations</a:t>
+              <a:t>recommendations to maximize profit</a:t>
             </a:r>
           </a:p>
         </p:txBody>
@@ -6859,7 +7640,7 @@
             </a:pPr>
             <a:r>
               <a:rPr lang="en-US" dirty="0"/>
-              <a:t>Make a movie that’s 80-85 minutes long</a:t>
+              <a:t>115+ minutes</a:t>
             </a:r>
           </a:p>
           <a:p>
@@ -6869,7 +7650,7 @@
             </a:pPr>
             <a:r>
               <a:rPr lang="en-US" dirty="0"/>
-              <a:t>Make it in the “horror” and/or “mystery” genre</a:t>
+              <a:t>genre: action / adventure</a:t>
             </a:r>
           </a:p>
           <a:p>
@@ -6879,7 +7660,17 @@
             </a:pPr>
             <a:r>
               <a:rPr lang="en-US" dirty="0"/>
-              <a:t>Don’t worry about director experience</a:t>
+              <a:t>G rating</a:t>
+            </a:r>
+          </a:p>
+          <a:p>
+            <a:pPr marL="457200" indent="-457200">
+              <a:buFont typeface="+mj-lt"/>
+              <a:buAutoNum type="arabicPeriod"/>
+            </a:pPr>
+            <a:r>
+              <a:rPr lang="en-US" dirty="0"/>
+              <a:t>assign a director with a strong record of past profits</a:t>
             </a:r>
           </a:p>
         </p:txBody>
@@ -6897,7 +7688,134 @@
 </p:sld>
 </file>
 
-<file path=ppt/slides/slide15.xml><?xml version="1.0" encoding="utf-8"?>
+<file path=ppt/slides/slide17.xml><?xml version="1.0" encoding="utf-8"?>
+<p:sld xmlns:a="http://schemas.openxmlformats.org/drawingml/2006/main" xmlns:r="http://schemas.openxmlformats.org/officeDocument/2006/relationships" xmlns:p="http://schemas.openxmlformats.org/presentationml/2006/main">
+  <p:cSld>
+    <p:spTree>
+      <p:nvGrpSpPr>
+        <p:cNvPr id="1" name=""/>
+        <p:cNvGrpSpPr/>
+        <p:nvPr/>
+      </p:nvGrpSpPr>
+      <p:grpSpPr>
+        <a:xfrm>
+          <a:off x="0" y="0"/>
+          <a:ext cx="0" cy="0"/>
+          <a:chOff x="0" y="0"/>
+          <a:chExt cx="0" cy="0"/>
+        </a:xfrm>
+      </p:grpSpPr>
+      <p:sp>
+        <p:nvSpPr>
+          <p:cNvPr id="2" name="Title 1">
+            <a:extLst>
+              <a:ext uri="{FF2B5EF4-FFF2-40B4-BE49-F238E27FC236}">
+                <a16:creationId xmlns:a16="http://schemas.microsoft.com/office/drawing/2014/main" id="{CB54EA55-B9C1-0AD5-4DCF-E390E54B9CF9}"/>
+              </a:ext>
+            </a:extLst>
+          </p:cNvPr>
+          <p:cNvSpPr>
+            <a:spLocks noGrp="1"/>
+          </p:cNvSpPr>
+          <p:nvPr>
+            <p:ph type="title"/>
+          </p:nvPr>
+        </p:nvSpPr>
+        <p:spPr/>
+        <p:txBody>
+          <a:bodyPr/>
+          <a:lstStyle/>
+          <a:p>
+            <a:r>
+              <a:rPr lang="en-US" dirty="0"/>
+              <a:t>recommendations to maximize ROI</a:t>
+            </a:r>
+          </a:p>
+        </p:txBody>
+      </p:sp>
+      <p:sp>
+        <p:nvSpPr>
+          <p:cNvPr id="3" name="Content Placeholder 2">
+            <a:extLst>
+              <a:ext uri="{FF2B5EF4-FFF2-40B4-BE49-F238E27FC236}">
+                <a16:creationId xmlns:a16="http://schemas.microsoft.com/office/drawing/2014/main" id="{7995EF2C-3C5A-2DDE-BEF3-46C087725527}"/>
+              </a:ext>
+            </a:extLst>
+          </p:cNvPr>
+          <p:cNvSpPr>
+            <a:spLocks noGrp="1"/>
+          </p:cNvSpPr>
+          <p:nvPr>
+            <p:ph idx="1"/>
+          </p:nvPr>
+        </p:nvSpPr>
+        <p:spPr/>
+        <p:txBody>
+          <a:bodyPr/>
+          <a:lstStyle/>
+          <a:p>
+            <a:pPr marL="457200" indent="-457200">
+              <a:buFont typeface="+mj-lt"/>
+              <a:buAutoNum type="arabicPeriod"/>
+            </a:pPr>
+            <a:endParaRPr lang="en-US" dirty="0"/>
+          </a:p>
+          <a:p>
+            <a:pPr marL="457200" indent="-457200">
+              <a:buFont typeface="+mj-lt"/>
+              <a:buAutoNum type="arabicPeriod"/>
+            </a:pPr>
+            <a:r>
+              <a:rPr lang="en-US" dirty="0"/>
+              <a:t>at most 90 minutes</a:t>
+            </a:r>
+          </a:p>
+          <a:p>
+            <a:pPr marL="457200" indent="-457200">
+              <a:buFont typeface="+mj-lt"/>
+              <a:buAutoNum type="arabicPeriod"/>
+            </a:pPr>
+            <a:r>
+              <a:rPr lang="en-US" dirty="0"/>
+              <a:t>genre: drama</a:t>
+            </a:r>
+          </a:p>
+          <a:p>
+            <a:pPr marL="457200" indent="-457200">
+              <a:buFont typeface="+mj-lt"/>
+              <a:buAutoNum type="arabicPeriod"/>
+            </a:pPr>
+            <a:r>
+              <a:rPr lang="en-US" dirty="0"/>
+              <a:t>R rating</a:t>
+            </a:r>
+          </a:p>
+          <a:p>
+            <a:pPr marL="457200" indent="-457200">
+              <a:buFont typeface="+mj-lt"/>
+              <a:buAutoNum type="arabicPeriod"/>
+            </a:pPr>
+            <a:r>
+              <a:rPr lang="en-US" dirty="0"/>
+              <a:t>cast lead actors with strong records of past ROI</a:t>
+            </a:r>
+          </a:p>
+        </p:txBody>
+      </p:sp>
+    </p:spTree>
+    <p:extLst>
+      <p:ext uri="{BB962C8B-B14F-4D97-AF65-F5344CB8AC3E}">
+        <p14:creationId xmlns:p14="http://schemas.microsoft.com/office/powerpoint/2010/main" val="3727714569"/>
+      </p:ext>
+    </p:extLst>
+  </p:cSld>
+  <p:clrMapOvr>
+    <a:masterClrMapping/>
+  </p:clrMapOvr>
+</p:sld>
+</file>
+
+<file path=ppt/slides/slide18.xml><?xml version="1.0" encoding="utf-8"?>
 <p:sld xmlns:a="http://schemas.openxmlformats.org/drawingml/2006/main" xmlns:r="http://schemas.openxmlformats.org/officeDocument/2006/relationships" xmlns:p="http://schemas.openxmlformats.org/presentationml/2006/main">
   <p:cSld>
     <p:spTree>
@@ -7037,40 +7955,71 @@
       </p:grpSpPr>
       <p:sp>
         <p:nvSpPr>
-          <p:cNvPr id="2" name="Title 1">
+          <p:cNvPr id="2" name="TextBox 1">
             <a:extLst>
               <a:ext uri="{FF2B5EF4-FFF2-40B4-BE49-F238E27FC236}">
-                <a16:creationId xmlns:a16="http://schemas.microsoft.com/office/drawing/2014/main" id="{675439DD-F047-9A43-5784-12C3EB43DFC8}"/>
+                <a16:creationId xmlns:a16="http://schemas.microsoft.com/office/drawing/2014/main" id="{6D9B038B-0FD0-FF33-F6CD-E34B2495DCC6}"/>
               </a:ext>
             </a:extLst>
           </p:cNvPr>
-          <p:cNvSpPr>
-            <a:spLocks noGrp="1"/>
-          </p:cNvSpPr>
-          <p:nvPr>
-            <p:ph type="title"/>
-          </p:nvPr>
-        </p:nvSpPr>
-        <p:spPr/>
-        <p:txBody>
-          <a:bodyPr>
-            <a:normAutofit/>
+          <p:cNvSpPr txBox="1"/>
+          <p:nvPr/>
+        </p:nvSpPr>
+        <p:spPr>
+          <a:xfrm>
+            <a:off x="6733664" y="2305615"/>
+            <a:ext cx="3801041" cy="2246769"/>
+          </a:xfrm>
+          <a:prstGeom prst="rect">
+            <a:avLst/>
+          </a:prstGeom>
+          <a:noFill/>
+        </p:spPr>
+        <p:txBody>
+          <a:bodyPr wrap="none" rtlCol="0">
+            <a:spAutoFit/>
           </a:bodyPr>
           <a:lstStyle/>
           <a:p>
             <a:r>
-              <a:rPr lang="en-US" dirty="0"/>
-              <a:t>net profit … or return on investment?</a:t>
+              <a:rPr lang="en-US" sz="4400" dirty="0"/>
+              <a:t>what IS success?</a:t>
+            </a:r>
+          </a:p>
+          <a:p>
+            <a:endParaRPr lang="en-US" sz="2400" dirty="0"/>
+          </a:p>
+          <a:p>
+            <a:endParaRPr lang="en-US" sz="2400" dirty="0"/>
+          </a:p>
+          <a:p>
+            <a:pPr marL="285750" indent="-285750">
+              <a:buFont typeface="Arial" panose="020B0604020202020204" pitchFamily="34" charset="0"/>
+              <a:buChar char="•"/>
+            </a:pPr>
+            <a:r>
+              <a:rPr lang="en-US" sz="2400" dirty="0"/>
+              <a:t>(net) profit</a:t>
+            </a:r>
+          </a:p>
+          <a:p>
+            <a:pPr marL="285750" indent="-285750">
+              <a:buFont typeface="Arial" panose="020B0604020202020204" pitchFamily="34" charset="0"/>
+              <a:buChar char="•"/>
+            </a:pPr>
+            <a:r>
+              <a:rPr lang="en-US" sz="2400" dirty="0"/>
+              <a:t>return on investment (ROI)</a:t>
             </a:r>
           </a:p>
         </p:txBody>
       </p:sp>
       <p:pic>
         <p:nvPicPr>
-          <p:cNvPr id="2050" name="Picture 2" descr="Brewster's Millions - Progressive Boink">
+          <p:cNvPr id="3" name="Picture 2" descr="Brewster's Millions - Progressive Boink">
             <a:extLst>
               <a:ext uri="{FF2B5EF4-FFF2-40B4-BE49-F238E27FC236}">
-                <a16:creationId xmlns:a16="http://schemas.microsoft.com/office/drawing/2014/main" id="{91F5EB06-FB2B-D314-AC30-75A013448BB5}"/>
+                <a16:creationId xmlns:a16="http://schemas.microsoft.com/office/drawing/2014/main" id="{2C047270-5C28-4A3A-F4A0-694C0674489D}"/>
               </a:ext>
             </a:extLst>
           </p:cNvPr>
@@ -7094,53 +8043,8 @@
         </p:blipFill>
         <p:spPr bwMode="auto">
           <a:xfrm>
-            <a:off x="2111356" y="2700339"/>
-            <a:ext cx="3175530" cy="3175530"/>
-          </a:xfrm>
-          <a:prstGeom prst="rect">
-            <a:avLst/>
-          </a:prstGeom>
-          <a:noFill/>
-          <a:extLst>
-            <a:ext uri="{909E8E84-426E-40DD-AFC4-6F175D3DCCD1}">
-              <a14:hiddenFill xmlns:a14="http://schemas.microsoft.com/office/drawing/2010/main">
-                <a:solidFill>
-                  <a:srgbClr val="FFFFFF"/>
-                </a:solidFill>
-              </a14:hiddenFill>
-            </a:ext>
-          </a:extLst>
-        </p:spPr>
-      </p:pic>
-      <p:pic>
-        <p:nvPicPr>
-          <p:cNvPr id="1026" name="Picture 2" descr="36,213 Roi Images, Stock Photos &amp; Vectors | Shutterstock">
-            <a:extLst>
-              <a:ext uri="{FF2B5EF4-FFF2-40B4-BE49-F238E27FC236}">
-                <a16:creationId xmlns:a16="http://schemas.microsoft.com/office/drawing/2014/main" id="{1E2D8F78-31D7-398D-1257-7A87A3945A30}"/>
-              </a:ext>
-            </a:extLst>
-          </p:cNvPr>
-          <p:cNvPicPr>
-            <a:picLocks noChangeAspect="1" noChangeArrowheads="1"/>
-          </p:cNvPicPr>
-          <p:nvPr/>
-        </p:nvPicPr>
-        <p:blipFill rotWithShape="1">
-          <a:blip r:embed="rId3">
-            <a:extLst>
-              <a:ext uri="{28A0092B-C50C-407E-A947-70E740481C1C}">
-                <a14:useLocalDpi xmlns:a14="http://schemas.microsoft.com/office/drawing/2010/main" val="0"/>
-              </a:ext>
-            </a:extLst>
-          </a:blip>
-          <a:srcRect l="7689" r="6170" b="8399"/>
-          <a:stretch/>
-        </p:blipFill>
-        <p:spPr bwMode="auto">
-          <a:xfrm>
-            <a:off x="6506881" y="2700339"/>
-            <a:ext cx="4159407" cy="3175529"/>
+            <a:off x="1096943" y="985838"/>
+            <a:ext cx="4947181" cy="4947181"/>
           </a:xfrm>
           <a:prstGeom prst="rect">
             <a:avLst/>
@@ -7160,7 +8064,7 @@
     </p:spTree>
     <p:extLst>
       <p:ext uri="{BB962C8B-B14F-4D97-AF65-F5344CB8AC3E}">
-        <p14:creationId xmlns:p14="http://schemas.microsoft.com/office/powerpoint/2010/main" val="3735991067"/>
+        <p14:creationId xmlns:p14="http://schemas.microsoft.com/office/powerpoint/2010/main" val="3262191549"/>
       </p:ext>
     </p:extLst>
   </p:cSld>
@@ -7179,6 +8083,9 @@
                     <p:cTn id="3" fill="hold">
                       <p:stCondLst>
                         <p:cond delay="indefinite"/>
+                        <p:cond evt="onBegin" delay="0">
+                          <p:tn val="2"/>
+                        </p:cond>
                       </p:stCondLst>
                       <p:childTnLst>
                         <p:par>
@@ -7188,7 +8095,7 @@
                             </p:stCondLst>
                             <p:childTnLst>
                               <p:par>
-                                <p:cTn id="5" presetID="2" presetClass="entr" presetSubtype="2" fill="hold" nodeType="clickEffect">
+                                <p:cTn id="5" presetID="9" presetClass="entr" presetSubtype="0" fill="hold" nodeType="withEffect">
                                   <p:stCondLst>
                                     <p:cond delay="0"/>
                                   </p:stCondLst>
@@ -7201,7 +8108,7 @@
                                           </p:stCondLst>
                                         </p:cTn>
                                         <p:tgtEl>
-                                          <p:spTgt spid="2050"/>
+                                          <p:spTgt spid="3"/>
                                         </p:tgtEl>
                                         <p:attrNameLst>
                                           <p:attrName>style.visibility</p:attrName>
@@ -7211,125 +8118,14 @@
                                         <p:strVal val="visible"/>
                                       </p:to>
                                     </p:set>
-                                    <p:anim calcmode="lin" valueType="num">
-                                      <p:cBhvr additive="base">
-                                        <p:cTn id="7" dur="500" fill="hold"/>
+                                    <p:animEffect transition="in" filter="dissolve">
+                                      <p:cBhvr>
+                                        <p:cTn id="7" dur="2000"/>
                                         <p:tgtEl>
-                                          <p:spTgt spid="2050"/>
+                                          <p:spTgt spid="3"/>
                                         </p:tgtEl>
-                                        <p:attrNameLst>
-                                          <p:attrName>ppt_x</p:attrName>
-                                        </p:attrNameLst>
                                       </p:cBhvr>
-                                      <p:tavLst>
-                                        <p:tav tm="0">
-                                          <p:val>
-                                            <p:strVal val="1+#ppt_w/2"/>
-                                          </p:val>
-                                        </p:tav>
-                                        <p:tav tm="100000">
-                                          <p:val>
-                                            <p:strVal val="#ppt_x"/>
-                                          </p:val>
-                                        </p:tav>
-                                      </p:tavLst>
-                                    </p:anim>
-                                    <p:anim calcmode="lin" valueType="num">
-                                      <p:cBhvr additive="base">
-                                        <p:cTn id="8" dur="500" fill="hold"/>
-                                        <p:tgtEl>
-                                          <p:spTgt spid="2050"/>
-                                        </p:tgtEl>
-                                        <p:attrNameLst>
-                                          <p:attrName>ppt_y</p:attrName>
-                                        </p:attrNameLst>
-                                      </p:cBhvr>
-                                      <p:tavLst>
-                                        <p:tav tm="0">
-                                          <p:val>
-                                            <p:strVal val="#ppt_y"/>
-                                          </p:val>
-                                        </p:tav>
-                                        <p:tav tm="100000">
-                                          <p:val>
-                                            <p:strVal val="#ppt_y"/>
-                                          </p:val>
-                                        </p:tav>
-                                      </p:tavLst>
-                                    </p:anim>
-                                  </p:childTnLst>
-                                </p:cTn>
-                              </p:par>
-                              <p:par>
-                                <p:cTn id="9" presetID="2" presetClass="entr" presetSubtype="8" fill="hold" nodeType="withEffect">
-                                  <p:stCondLst>
-                                    <p:cond delay="0"/>
-                                  </p:stCondLst>
-                                  <p:childTnLst>
-                                    <p:set>
-                                      <p:cBhvr>
-                                        <p:cTn id="10" dur="1" fill="hold">
-                                          <p:stCondLst>
-                                            <p:cond delay="0"/>
-                                          </p:stCondLst>
-                                        </p:cTn>
-                                        <p:tgtEl>
-                                          <p:spTgt spid="1026"/>
-                                        </p:tgtEl>
-                                        <p:attrNameLst>
-                                          <p:attrName>style.visibility</p:attrName>
-                                        </p:attrNameLst>
-                                      </p:cBhvr>
-                                      <p:to>
-                                        <p:strVal val="visible"/>
-                                      </p:to>
-                                    </p:set>
-                                    <p:anim calcmode="lin" valueType="num">
-                                      <p:cBhvr additive="base">
-                                        <p:cTn id="11" dur="500" fill="hold"/>
-                                        <p:tgtEl>
-                                          <p:spTgt spid="1026"/>
-                                        </p:tgtEl>
-                                        <p:attrNameLst>
-                                          <p:attrName>ppt_x</p:attrName>
-                                        </p:attrNameLst>
-                                      </p:cBhvr>
-                                      <p:tavLst>
-                                        <p:tav tm="0">
-                                          <p:val>
-                                            <p:strVal val="0-#ppt_w/2"/>
-                                          </p:val>
-                                        </p:tav>
-                                        <p:tav tm="100000">
-                                          <p:val>
-                                            <p:strVal val="#ppt_x"/>
-                                          </p:val>
-                                        </p:tav>
-                                      </p:tavLst>
-                                    </p:anim>
-                                    <p:anim calcmode="lin" valueType="num">
-                                      <p:cBhvr additive="base">
-                                        <p:cTn id="12" dur="500" fill="hold"/>
-                                        <p:tgtEl>
-                                          <p:spTgt spid="1026"/>
-                                        </p:tgtEl>
-                                        <p:attrNameLst>
-                                          <p:attrName>ppt_y</p:attrName>
-                                        </p:attrNameLst>
-                                      </p:cBhvr>
-                                      <p:tavLst>
-                                        <p:tav tm="0">
-                                          <p:val>
-                                            <p:strVal val="#ppt_y"/>
-                                          </p:val>
-                                        </p:tav>
-                                        <p:tav tm="100000">
-                                          <p:val>
-                                            <p:strVal val="#ppt_y"/>
-                                          </p:val>
-                                        </p:tav>
-                                      </p:tavLst>
-                                    </p:anim>
+                                    </p:animEffect>
                                   </p:childTnLst>
                                 </p:cTn>
                               </p:par>
@@ -7381,106 +8177,12 @@
           <a:chExt cx="0" cy="0"/>
         </a:xfrm>
       </p:grpSpPr>
-      <p:sp>
-        <p:nvSpPr>
-          <p:cNvPr id="2" name="Title 1">
+      <p:pic>
+        <p:nvPicPr>
+          <p:cNvPr id="1026" name="Picture 2" descr="The Secret of My Success - Rotten Tomatoes">
             <a:extLst>
               <a:ext uri="{FF2B5EF4-FFF2-40B4-BE49-F238E27FC236}">
-                <a16:creationId xmlns:a16="http://schemas.microsoft.com/office/drawing/2014/main" id="{675439DD-F047-9A43-5784-12C3EB43DFC8}"/>
-              </a:ext>
-            </a:extLst>
-          </p:cNvPr>
-          <p:cNvSpPr>
-            <a:spLocks noGrp="1"/>
-          </p:cNvSpPr>
-          <p:nvPr>
-            <p:ph type="title"/>
-          </p:nvPr>
-        </p:nvSpPr>
-        <p:spPr/>
-        <p:txBody>
-          <a:bodyPr>
-            <a:normAutofit/>
-          </a:bodyPr>
-          <a:lstStyle/>
-          <a:p>
-            <a:r>
-              <a:rPr lang="en-US" dirty="0"/>
-              <a:t>what generates success?</a:t>
-            </a:r>
-          </a:p>
-        </p:txBody>
-      </p:sp>
-      <p:sp>
-        <p:nvSpPr>
-          <p:cNvPr id="5" name="TextBox 4">
-            <a:extLst>
-              <a:ext uri="{FF2B5EF4-FFF2-40B4-BE49-F238E27FC236}">
-                <a16:creationId xmlns:a16="http://schemas.microsoft.com/office/drawing/2014/main" id="{D71E0F67-F489-6387-B5F7-9A3BD34FD7C1}"/>
-              </a:ext>
-            </a:extLst>
-          </p:cNvPr>
-          <p:cNvSpPr txBox="1"/>
-          <p:nvPr/>
-        </p:nvSpPr>
-        <p:spPr>
-          <a:xfrm>
-            <a:off x="7756634" y="3468414"/>
-            <a:ext cx="184731" cy="369332"/>
-          </a:xfrm>
-          <a:prstGeom prst="rect">
-            <a:avLst/>
-          </a:prstGeom>
-          <a:noFill/>
-        </p:spPr>
-        <p:txBody>
-          <a:bodyPr wrap="none" rtlCol="0">
-            <a:spAutoFit/>
-          </a:bodyPr>
-          <a:lstStyle/>
-          <a:p>
-            <a:endParaRPr lang="en-US" dirty="0"/>
-          </a:p>
-        </p:txBody>
-      </p:sp>
-      <p:sp>
-        <p:nvSpPr>
-          <p:cNvPr id="7" name="TextBox 6">
-            <a:extLst>
-              <a:ext uri="{FF2B5EF4-FFF2-40B4-BE49-F238E27FC236}">
-                <a16:creationId xmlns:a16="http://schemas.microsoft.com/office/drawing/2014/main" id="{D3A4E3B5-A0F9-0450-06D6-3DC6EAF00F6D}"/>
-              </a:ext>
-            </a:extLst>
-          </p:cNvPr>
-          <p:cNvSpPr txBox="1"/>
-          <p:nvPr/>
-        </p:nvSpPr>
-        <p:spPr>
-          <a:xfrm>
-            <a:off x="6096000" y="4897821"/>
-            <a:ext cx="184731" cy="369332"/>
-          </a:xfrm>
-          <a:prstGeom prst="rect">
-            <a:avLst/>
-          </a:prstGeom>
-          <a:noFill/>
-        </p:spPr>
-        <p:txBody>
-          <a:bodyPr wrap="none" rtlCol="0">
-            <a:spAutoFit/>
-          </a:bodyPr>
-          <a:lstStyle/>
-          <a:p>
-            <a:endParaRPr lang="en-US" dirty="0"/>
-          </a:p>
-        </p:txBody>
-      </p:sp>
-      <p:pic>
-        <p:nvPicPr>
-          <p:cNvPr id="3076" name="Picture 4" descr="When Harry Met Sally... movie review (1989) | Roger Ebert">
-            <a:extLst>
-              <a:ext uri="{FF2B5EF4-FFF2-40B4-BE49-F238E27FC236}">
-                <a16:creationId xmlns:a16="http://schemas.microsoft.com/office/drawing/2014/main" id="{C6EAA3B2-63FA-5E83-D837-B63D1094F9F2}"/>
+                <a16:creationId xmlns:a16="http://schemas.microsoft.com/office/drawing/2014/main" id="{E21F3873-FC11-B2A2-00A2-9623B0A21AA3}"/>
               </a:ext>
             </a:extLst>
           </p:cNvPr>
@@ -7489,7 +8191,7 @@
           </p:cNvPicPr>
           <p:nvPr/>
         </p:nvPicPr>
-        <p:blipFill>
+        <p:blipFill rotWithShape="1">
           <a:blip r:embed="rId2">
             <a:extLst>
               <a:ext uri="{28A0092B-C50C-407E-A947-70E740481C1C}">
@@ -7497,15 +8199,13 @@
               </a:ext>
             </a:extLst>
           </a:blip>
-          <a:srcRect/>
-          <a:stretch>
-            <a:fillRect/>
-          </a:stretch>
+          <a:srcRect t="28391"/>
+          <a:stretch/>
         </p:blipFill>
         <p:spPr bwMode="auto">
           <a:xfrm>
-            <a:off x="724394" y="3833983"/>
-            <a:ext cx="4026282" cy="2261429"/>
+            <a:off x="990399" y="1106639"/>
+            <a:ext cx="4324221" cy="4644722"/>
           </a:xfrm>
           <a:prstGeom prst="rect">
             <a:avLst/>
@@ -7522,104 +8222,91 @@
           </a:extLst>
         </p:spPr>
       </p:pic>
-      <p:pic>
-        <p:nvPicPr>
-          <p:cNvPr id="3078" name="Picture 6" descr="Why Indiana Jones's artefacts are based on forgeries | art | Agenda |  Phaidon">
+      <p:sp>
+        <p:nvSpPr>
+          <p:cNvPr id="2" name="TextBox 1">
             <a:extLst>
               <a:ext uri="{FF2B5EF4-FFF2-40B4-BE49-F238E27FC236}">
-                <a16:creationId xmlns:a16="http://schemas.microsoft.com/office/drawing/2014/main" id="{88FD71F6-EF52-C64A-1D81-DFEEEC1440C7}"/>
+                <a16:creationId xmlns:a16="http://schemas.microsoft.com/office/drawing/2014/main" id="{6D9B038B-0FD0-FF33-F6CD-E34B2495DCC6}"/>
               </a:ext>
             </a:extLst>
           </p:cNvPr>
-          <p:cNvPicPr>
-            <a:picLocks noChangeAspect="1" noChangeArrowheads="1"/>
-          </p:cNvPicPr>
+          <p:cNvSpPr txBox="1"/>
           <p:nvPr/>
-        </p:nvPicPr>
-        <p:blipFill>
-          <a:blip r:embed="rId3">
-            <a:extLst>
-              <a:ext uri="{28A0092B-C50C-407E-A947-70E740481C1C}">
-                <a14:useLocalDpi xmlns:a14="http://schemas.microsoft.com/office/drawing/2010/main" val="0"/>
-              </a:ext>
-            </a:extLst>
-          </a:blip>
-          <a:srcRect/>
-          <a:stretch>
-            <a:fillRect/>
-          </a:stretch>
-        </p:blipFill>
-        <p:spPr bwMode="auto">
-          <a:xfrm>
-            <a:off x="7295192" y="3778470"/>
-            <a:ext cx="4089426" cy="2301763"/>
+        </p:nvSpPr>
+        <p:spPr>
+          <a:xfrm>
+            <a:off x="5616213" y="1936283"/>
+            <a:ext cx="5356787" cy="2985433"/>
           </a:xfrm>
           <a:prstGeom prst="rect">
             <a:avLst/>
           </a:prstGeom>
           <a:noFill/>
-          <a:extLst>
-            <a:ext uri="{909E8E84-426E-40DD-AFC4-6F175D3DCCD1}">
-              <a14:hiddenFill xmlns:a14="http://schemas.microsoft.com/office/drawing/2010/main">
-                <a:solidFill>
-                  <a:srgbClr val="FFFFFF"/>
-                </a:solidFill>
-              </a14:hiddenFill>
-            </a:ext>
-          </a:extLst>
         </p:spPr>
-      </p:pic>
-      <p:pic>
-        <p:nvPicPr>
-          <p:cNvPr id="3080" name="Picture 8" descr="Harold Lloyd's Sleight of Hand | Vanity Fair">
-            <a:extLst>
-              <a:ext uri="{FF2B5EF4-FFF2-40B4-BE49-F238E27FC236}">
-                <a16:creationId xmlns:a16="http://schemas.microsoft.com/office/drawing/2014/main" id="{4BC2A36C-0195-6F28-0B19-EE76A0E27E9A}"/>
-              </a:ext>
-            </a:extLst>
-          </p:cNvPr>
-          <p:cNvPicPr>
-            <a:picLocks noChangeAspect="1" noChangeArrowheads="1"/>
-          </p:cNvPicPr>
-          <p:nvPr/>
-        </p:nvPicPr>
-        <p:blipFill>
-          <a:blip r:embed="rId4">
-            <a:extLst>
-              <a:ext uri="{28A0092B-C50C-407E-A947-70E740481C1C}">
-                <a14:useLocalDpi xmlns:a14="http://schemas.microsoft.com/office/drawing/2010/main" val="0"/>
-              </a:ext>
-            </a:extLst>
-          </a:blip>
-          <a:srcRect/>
-          <a:stretch>
-            <a:fillRect/>
-          </a:stretch>
-        </p:blipFill>
-        <p:spPr bwMode="auto">
-          <a:xfrm>
-            <a:off x="5198918" y="2993811"/>
-            <a:ext cx="1794163" cy="3190937"/>
-          </a:xfrm>
-          <a:prstGeom prst="rect">
-            <a:avLst/>
-          </a:prstGeom>
-          <a:noFill/>
-          <a:extLst>
-            <a:ext uri="{909E8E84-426E-40DD-AFC4-6F175D3DCCD1}">
-              <a14:hiddenFill xmlns:a14="http://schemas.microsoft.com/office/drawing/2010/main">
-                <a:solidFill>
-                  <a:srgbClr val="FFFFFF"/>
-                </a:solidFill>
-              </a14:hiddenFill>
-            </a:ext>
-          </a:extLst>
-        </p:spPr>
-      </p:pic>
+        <p:txBody>
+          <a:bodyPr wrap="none" rtlCol="0">
+            <a:spAutoFit/>
+          </a:bodyPr>
+          <a:lstStyle/>
+          <a:p>
+            <a:r>
+              <a:rPr lang="en-US" sz="4400" dirty="0"/>
+              <a:t>what CAUSES success?</a:t>
+            </a:r>
+          </a:p>
+          <a:p>
+            <a:endParaRPr lang="en-US" sz="2400" dirty="0"/>
+          </a:p>
+          <a:p>
+            <a:endParaRPr lang="en-US" sz="2400" dirty="0"/>
+          </a:p>
+          <a:p>
+            <a:pPr marL="285750" indent="-285750">
+              <a:buFont typeface="Arial" panose="020B0604020202020204" pitchFamily="34" charset="0"/>
+              <a:buChar char="•"/>
+            </a:pPr>
+            <a:r>
+              <a:rPr lang="en-US" sz="2400" dirty="0"/>
+              <a:t>runtime</a:t>
+            </a:r>
+          </a:p>
+          <a:p>
+            <a:pPr marL="285750" indent="-285750">
+              <a:buFont typeface="Arial" panose="020B0604020202020204" pitchFamily="34" charset="0"/>
+              <a:buChar char="•"/>
+            </a:pPr>
+            <a:r>
+              <a:rPr lang="en-US" sz="2400" dirty="0"/>
+              <a:t>genre</a:t>
+            </a:r>
+          </a:p>
+          <a:p>
+            <a:pPr marL="285750" indent="-285750">
+              <a:buFont typeface="Arial" panose="020B0604020202020204" pitchFamily="34" charset="0"/>
+              <a:buChar char="•"/>
+            </a:pPr>
+            <a:r>
+              <a:rPr lang="en-US" sz="2400" dirty="0"/>
+              <a:t>MPAA rating</a:t>
+            </a:r>
+          </a:p>
+          <a:p>
+            <a:pPr marL="285750" indent="-285750">
+              <a:buFont typeface="Arial" panose="020B0604020202020204" pitchFamily="34" charset="0"/>
+              <a:buChar char="•"/>
+            </a:pPr>
+            <a:r>
+              <a:rPr lang="en-US" sz="2400" dirty="0"/>
+              <a:t>profit history of director/cast</a:t>
+            </a:r>
+          </a:p>
+        </p:txBody>
+      </p:sp>
     </p:spTree>
     <p:extLst>
       <p:ext uri="{BB962C8B-B14F-4D97-AF65-F5344CB8AC3E}">
-        <p14:creationId xmlns:p14="http://schemas.microsoft.com/office/powerpoint/2010/main" val="2235502279"/>
+        <p14:creationId xmlns:p14="http://schemas.microsoft.com/office/powerpoint/2010/main" val="4155520039"/>
       </p:ext>
     </p:extLst>
   </p:cSld>
@@ -7638,6 +8325,9 @@
                     <p:cTn id="3" fill="hold">
                       <p:stCondLst>
                         <p:cond delay="indefinite"/>
+                        <p:cond evt="onBegin" delay="0">
+                          <p:tn val="2"/>
+                        </p:cond>
                       </p:stCondLst>
                       <p:childTnLst>
                         <p:par>
@@ -7647,7 +8337,7 @@
                             </p:stCondLst>
                             <p:childTnLst>
                               <p:par>
-                                <p:cTn id="5" presetID="53" presetClass="entr" presetSubtype="16" fill="hold" nodeType="clickEffect">
+                                <p:cTn id="5" presetID="9" presetClass="entr" presetSubtype="0" fill="hold" nodeType="withEffect">
                                   <p:stCondLst>
                                     <p:cond delay="0"/>
                                   </p:stCondLst>
@@ -7660,7 +8350,7 @@
                                           </p:stCondLst>
                                         </p:cTn>
                                         <p:tgtEl>
-                                          <p:spTgt spid="3076"/>
+                                          <p:spTgt spid="1026"/>
                                         </p:tgtEl>
                                         <p:attrNameLst>
                                           <p:attrName>style.visibility</p:attrName>
@@ -7670,255 +8360,11 @@
                                         <p:strVal val="visible"/>
                                       </p:to>
                                     </p:set>
-                                    <p:anim calcmode="lin" valueType="num">
+                                    <p:animEffect transition="in" filter="dissolve">
                                       <p:cBhvr>
-                                        <p:cTn id="7" dur="250" fill="hold"/>
+                                        <p:cTn id="7" dur="2000"/>
                                         <p:tgtEl>
-                                          <p:spTgt spid="3076"/>
-                                        </p:tgtEl>
-                                        <p:attrNameLst>
-                                          <p:attrName>ppt_w</p:attrName>
-                                        </p:attrNameLst>
-                                      </p:cBhvr>
-                                      <p:tavLst>
-                                        <p:tav tm="0">
-                                          <p:val>
-                                            <p:fltVal val="0"/>
-                                          </p:val>
-                                        </p:tav>
-                                        <p:tav tm="100000">
-                                          <p:val>
-                                            <p:strVal val="#ppt_w"/>
-                                          </p:val>
-                                        </p:tav>
-                                      </p:tavLst>
-                                    </p:anim>
-                                    <p:anim calcmode="lin" valueType="num">
-                                      <p:cBhvr>
-                                        <p:cTn id="8" dur="250" fill="hold"/>
-                                        <p:tgtEl>
-                                          <p:spTgt spid="3076"/>
-                                        </p:tgtEl>
-                                        <p:attrNameLst>
-                                          <p:attrName>ppt_h</p:attrName>
-                                        </p:attrNameLst>
-                                      </p:cBhvr>
-                                      <p:tavLst>
-                                        <p:tav tm="0">
-                                          <p:val>
-                                            <p:fltVal val="0"/>
-                                          </p:val>
-                                        </p:tav>
-                                        <p:tav tm="100000">
-                                          <p:val>
-                                            <p:strVal val="#ppt_h"/>
-                                          </p:val>
-                                        </p:tav>
-                                      </p:tavLst>
-                                    </p:anim>
-                                    <p:animEffect transition="in" filter="fade">
-                                      <p:cBhvr>
-                                        <p:cTn id="9" dur="250"/>
-                                        <p:tgtEl>
-                                          <p:spTgt spid="3076"/>
-                                        </p:tgtEl>
-                                      </p:cBhvr>
-                                    </p:animEffect>
-                                  </p:childTnLst>
-                                </p:cTn>
-                              </p:par>
-                            </p:childTnLst>
-                          </p:cTn>
-                        </p:par>
-                      </p:childTnLst>
-                    </p:cTn>
-                  </p:par>
-                  <p:par>
-                    <p:cTn id="10" fill="hold">
-                      <p:stCondLst>
-                        <p:cond delay="indefinite"/>
-                      </p:stCondLst>
-                      <p:childTnLst>
-                        <p:par>
-                          <p:cTn id="11" fill="hold">
-                            <p:stCondLst>
-                              <p:cond delay="0"/>
-                            </p:stCondLst>
-                            <p:childTnLst>
-                              <p:par>
-                                <p:cTn id="12" presetID="53" presetClass="entr" presetSubtype="16" fill="hold" nodeType="clickEffect">
-                                  <p:stCondLst>
-                                    <p:cond delay="0"/>
-                                  </p:stCondLst>
-                                  <p:childTnLst>
-                                    <p:set>
-                                      <p:cBhvr>
-                                        <p:cTn id="13" dur="1" fill="hold">
-                                          <p:stCondLst>
-                                            <p:cond delay="0"/>
-                                          </p:stCondLst>
-                                        </p:cTn>
-                                        <p:tgtEl>
-                                          <p:spTgt spid="3080"/>
-                                        </p:tgtEl>
-                                        <p:attrNameLst>
-                                          <p:attrName>style.visibility</p:attrName>
-                                        </p:attrNameLst>
-                                      </p:cBhvr>
-                                      <p:to>
-                                        <p:strVal val="visible"/>
-                                      </p:to>
-                                    </p:set>
-                                    <p:anim calcmode="lin" valueType="num">
-                                      <p:cBhvr>
-                                        <p:cTn id="14" dur="250" fill="hold"/>
-                                        <p:tgtEl>
-                                          <p:spTgt spid="3080"/>
-                                        </p:tgtEl>
-                                        <p:attrNameLst>
-                                          <p:attrName>ppt_w</p:attrName>
-                                        </p:attrNameLst>
-                                      </p:cBhvr>
-                                      <p:tavLst>
-                                        <p:tav tm="0">
-                                          <p:val>
-                                            <p:fltVal val="0"/>
-                                          </p:val>
-                                        </p:tav>
-                                        <p:tav tm="100000">
-                                          <p:val>
-                                            <p:strVal val="#ppt_w"/>
-                                          </p:val>
-                                        </p:tav>
-                                      </p:tavLst>
-                                    </p:anim>
-                                    <p:anim calcmode="lin" valueType="num">
-                                      <p:cBhvr>
-                                        <p:cTn id="15" dur="250" fill="hold"/>
-                                        <p:tgtEl>
-                                          <p:spTgt spid="3080"/>
-                                        </p:tgtEl>
-                                        <p:attrNameLst>
-                                          <p:attrName>ppt_h</p:attrName>
-                                        </p:attrNameLst>
-                                      </p:cBhvr>
-                                      <p:tavLst>
-                                        <p:tav tm="0">
-                                          <p:val>
-                                            <p:fltVal val="0"/>
-                                          </p:val>
-                                        </p:tav>
-                                        <p:tav tm="100000">
-                                          <p:val>
-                                            <p:strVal val="#ppt_h"/>
-                                          </p:val>
-                                        </p:tav>
-                                      </p:tavLst>
-                                    </p:anim>
-                                    <p:animEffect transition="in" filter="fade">
-                                      <p:cBhvr>
-                                        <p:cTn id="16" dur="250"/>
-                                        <p:tgtEl>
-                                          <p:spTgt spid="3080"/>
-                                        </p:tgtEl>
-                                      </p:cBhvr>
-                                    </p:animEffect>
-                                  </p:childTnLst>
-                                </p:cTn>
-                              </p:par>
-                            </p:childTnLst>
-                          </p:cTn>
-                        </p:par>
-                      </p:childTnLst>
-                    </p:cTn>
-                  </p:par>
-                  <p:par>
-                    <p:cTn id="17" fill="hold">
-                      <p:stCondLst>
-                        <p:cond delay="indefinite"/>
-                      </p:stCondLst>
-                      <p:childTnLst>
-                        <p:par>
-                          <p:cTn id="18" fill="hold">
-                            <p:stCondLst>
-                              <p:cond delay="0"/>
-                            </p:stCondLst>
-                            <p:childTnLst>
-                              <p:par>
-                                <p:cTn id="19" presetID="53" presetClass="entr" presetSubtype="16" fill="hold" nodeType="clickEffect">
-                                  <p:stCondLst>
-                                    <p:cond delay="0"/>
-                                  </p:stCondLst>
-                                  <p:childTnLst>
-                                    <p:set>
-                                      <p:cBhvr>
-                                        <p:cTn id="20" dur="1" fill="hold">
-                                          <p:stCondLst>
-                                            <p:cond delay="0"/>
-                                          </p:stCondLst>
-                                        </p:cTn>
-                                        <p:tgtEl>
-                                          <p:spTgt spid="3078"/>
-                                        </p:tgtEl>
-                                        <p:attrNameLst>
-                                          <p:attrName>style.visibility</p:attrName>
-                                        </p:attrNameLst>
-                                      </p:cBhvr>
-                                      <p:to>
-                                        <p:strVal val="visible"/>
-                                      </p:to>
-                                    </p:set>
-                                    <p:anim calcmode="lin" valueType="num">
-                                      <p:cBhvr>
-                                        <p:cTn id="21" dur="250" fill="hold"/>
-                                        <p:tgtEl>
-                                          <p:spTgt spid="3078"/>
-                                        </p:tgtEl>
-                                        <p:attrNameLst>
-                                          <p:attrName>ppt_w</p:attrName>
-                                        </p:attrNameLst>
-                                      </p:cBhvr>
-                                      <p:tavLst>
-                                        <p:tav tm="0">
-                                          <p:val>
-                                            <p:fltVal val="0"/>
-                                          </p:val>
-                                        </p:tav>
-                                        <p:tav tm="100000">
-                                          <p:val>
-                                            <p:strVal val="#ppt_w"/>
-                                          </p:val>
-                                        </p:tav>
-                                      </p:tavLst>
-                                    </p:anim>
-                                    <p:anim calcmode="lin" valueType="num">
-                                      <p:cBhvr>
-                                        <p:cTn id="22" dur="250" fill="hold"/>
-                                        <p:tgtEl>
-                                          <p:spTgt spid="3078"/>
-                                        </p:tgtEl>
-                                        <p:attrNameLst>
-                                          <p:attrName>ppt_h</p:attrName>
-                                        </p:attrNameLst>
-                                      </p:cBhvr>
-                                      <p:tavLst>
-                                        <p:tav tm="0">
-                                          <p:val>
-                                            <p:fltVal val="0"/>
-                                          </p:val>
-                                        </p:tav>
-                                        <p:tav tm="100000">
-                                          <p:val>
-                                            <p:strVal val="#ppt_h"/>
-                                          </p:val>
-                                        </p:tav>
-                                      </p:tavLst>
-                                    </p:anim>
-                                    <p:animEffect transition="in" filter="fade">
-                                      <p:cBhvr>
-                                        <p:cTn id="23" dur="250"/>
-                                        <p:tgtEl>
-                                          <p:spTgt spid="3078"/>
+                                          <p:spTgt spid="1026"/>
                                         </p:tgtEl>
                                       </p:cBhvr>
                                     </p:animEffect>
@@ -7978,37 +8424,122 @@
           <p:cNvPr id="2" name="Title 1">
             <a:extLst>
               <a:ext uri="{FF2B5EF4-FFF2-40B4-BE49-F238E27FC236}">
-                <a16:creationId xmlns:a16="http://schemas.microsoft.com/office/drawing/2014/main" id="{675439DD-F047-9A43-5784-12C3EB43DFC8}"/>
+                <a16:creationId xmlns:a16="http://schemas.microsoft.com/office/drawing/2014/main" id="{F615C698-5C87-09BF-D0E0-83A657A5E5ED}"/>
               </a:ext>
             </a:extLst>
           </p:cNvPr>
-          <p:cNvSpPr>
-            <a:spLocks noGrp="1"/>
-          </p:cNvSpPr>
-          <p:nvPr>
-            <p:ph type="title"/>
-          </p:nvPr>
-        </p:nvSpPr>
-        <p:spPr/>
+          <p:cNvSpPr txBox="1">
+            <a:spLocks/>
+          </p:cNvSpPr>
+          <p:nvPr/>
+        </p:nvSpPr>
+        <p:spPr>
+          <a:xfrm>
+            <a:off x="1295402" y="982132"/>
+            <a:ext cx="9601196" cy="1303867"/>
+          </a:xfrm>
+          <a:prstGeom prst="rect">
+            <a:avLst/>
+          </a:prstGeom>
+        </p:spPr>
         <p:txBody>
           <a:bodyPr>
             <a:normAutofit/>
           </a:bodyPr>
-          <a:lstStyle/>
-          <a:p>
-            <a:r>
-              <a:rPr lang="en-US" dirty="0"/>
+          <a:lstStyle>
+            <a:lvl1pPr algn="ctr" defTabSz="457200" rtl="0" eaLnBrk="1" latinLnBrk="0" hangingPunct="1">
+              <a:spcBef>
+                <a:spcPct val="0"/>
+              </a:spcBef>
+              <a:buNone/>
+              <a:defRPr sz="4400" kern="1200" cap="none">
+                <a:ln w="3175" cmpd="sng">
+                  <a:noFill/>
+                </a:ln>
+                <a:solidFill>
+                  <a:schemeClr val="tx1">
+                    <a:lumMod val="85000"/>
+                    <a:lumOff val="15000"/>
+                  </a:schemeClr>
+                </a:solidFill>
+                <a:effectLst/>
+                <a:latin typeface="+mj-lt"/>
+                <a:ea typeface="+mj-ea"/>
+                <a:cs typeface="+mj-cs"/>
+              </a:defRPr>
+            </a:lvl1pPr>
+            <a:lvl2pPr eaLnBrk="1" hangingPunct="1">
+              <a:defRPr>
+                <a:solidFill>
+                  <a:schemeClr val="tx2"/>
+                </a:solidFill>
+              </a:defRPr>
+            </a:lvl2pPr>
+            <a:lvl3pPr eaLnBrk="1" hangingPunct="1">
+              <a:defRPr>
+                <a:solidFill>
+                  <a:schemeClr val="tx2"/>
+                </a:solidFill>
+              </a:defRPr>
+            </a:lvl3pPr>
+            <a:lvl4pPr eaLnBrk="1" hangingPunct="1">
+              <a:defRPr>
+                <a:solidFill>
+                  <a:schemeClr val="tx2"/>
+                </a:solidFill>
+              </a:defRPr>
+            </a:lvl4pPr>
+            <a:lvl5pPr eaLnBrk="1" hangingPunct="1">
+              <a:defRPr>
+                <a:solidFill>
+                  <a:schemeClr val="tx2"/>
+                </a:solidFill>
+              </a:defRPr>
+            </a:lvl5pPr>
+            <a:lvl6pPr eaLnBrk="1" hangingPunct="1">
+              <a:defRPr>
+                <a:solidFill>
+                  <a:schemeClr val="tx2"/>
+                </a:solidFill>
+              </a:defRPr>
+            </a:lvl6pPr>
+            <a:lvl7pPr eaLnBrk="1" hangingPunct="1">
+              <a:defRPr>
+                <a:solidFill>
+                  <a:schemeClr val="tx2"/>
+                </a:solidFill>
+              </a:defRPr>
+            </a:lvl7pPr>
+            <a:lvl8pPr eaLnBrk="1" hangingPunct="1">
+              <a:defRPr>
+                <a:solidFill>
+                  <a:schemeClr val="tx2"/>
+                </a:solidFill>
+              </a:defRPr>
+            </a:lvl8pPr>
+            <a:lvl9pPr eaLnBrk="1" hangingPunct="1">
+              <a:defRPr>
+                <a:solidFill>
+                  <a:schemeClr val="tx2"/>
+                </a:solidFill>
+              </a:defRPr>
+            </a:lvl9pPr>
+          </a:lstStyle>
+          <a:p>
+            <a:r>
+              <a:rPr lang="en-US"/>
               <a:t>data resources</a:t>
             </a:r>
+            <a:endParaRPr lang="en-US" dirty="0"/>
           </a:p>
         </p:txBody>
       </p:sp>
       <p:pic>
         <p:nvPicPr>
-          <p:cNvPr id="4098" name="Picture 2">
+          <p:cNvPr id="3" name="Picture 2">
             <a:extLst>
               <a:ext uri="{FF2B5EF4-FFF2-40B4-BE49-F238E27FC236}">
-                <a16:creationId xmlns:a16="http://schemas.microsoft.com/office/drawing/2014/main" id="{3A94C3EA-9871-577F-34F4-718A2BC52B9D}"/>
+                <a16:creationId xmlns:a16="http://schemas.microsoft.com/office/drawing/2014/main" id="{3ACC23B7-17ED-C5A7-6900-11E075B8D456}"/>
               </a:ext>
             </a:extLst>
           </p:cNvPr>
@@ -8052,10 +8583,10 @@
       </p:pic>
       <p:pic>
         <p:nvPicPr>
-          <p:cNvPr id="4100" name="Picture 4" descr="rotten-tomatoes-logo - 911MEDIA">
+          <p:cNvPr id="4" name="Picture 4" descr="rotten-tomatoes-logo - 911MEDIA">
             <a:extLst>
               <a:ext uri="{FF2B5EF4-FFF2-40B4-BE49-F238E27FC236}">
-                <a16:creationId xmlns:a16="http://schemas.microsoft.com/office/drawing/2014/main" id="{E04D6E6E-3379-FADF-4984-CD5D53AC2B9B}"/>
+                <a16:creationId xmlns:a16="http://schemas.microsoft.com/office/drawing/2014/main" id="{48BB06AD-DA3A-3D97-5704-4CAA3ADAEC30}"/>
               </a:ext>
             </a:extLst>
           </p:cNvPr>
@@ -8097,57 +8628,12 @@
           </a:extLst>
         </p:spPr>
       </p:pic>
-      <p:sp>
-        <p:nvSpPr>
-          <p:cNvPr id="9" name="AutoShape 10" descr="The Numbers - Where Data and Movies Meet">
+      <p:pic>
+        <p:nvPicPr>
+          <p:cNvPr id="5" name="Graphic 4">
             <a:extLst>
               <a:ext uri="{FF2B5EF4-FFF2-40B4-BE49-F238E27FC236}">
-                <a16:creationId xmlns:a16="http://schemas.microsoft.com/office/drawing/2014/main" id="{9EF1B443-59A0-9D32-8EAB-B08DFD251505}"/>
-              </a:ext>
-            </a:extLst>
-          </p:cNvPr>
-          <p:cNvSpPr>
-            <a:spLocks noChangeAspect="1" noChangeArrowheads="1"/>
-          </p:cNvSpPr>
-          <p:nvPr/>
-        </p:nvSpPr>
-        <p:spPr bwMode="auto">
-          <a:xfrm>
-            <a:off x="5943600" y="622738"/>
-            <a:ext cx="2958662" cy="2958662"/>
-          </a:xfrm>
-          <a:prstGeom prst="rect">
-            <a:avLst/>
-          </a:prstGeom>
-          <a:noFill/>
-          <a:extLst>
-            <a:ext uri="{909E8E84-426E-40DD-AFC4-6F175D3DCCD1}">
-              <a14:hiddenFill xmlns:a14="http://schemas.microsoft.com/office/drawing/2010/main">
-                <a:solidFill>
-                  <a:srgbClr val="FFFFFF"/>
-                </a:solidFill>
-              </a14:hiddenFill>
-            </a:ext>
-          </a:extLst>
-        </p:spPr>
-        <p:txBody>
-          <a:bodyPr vert="horz" wrap="square" lIns="91440" tIns="45720" rIns="91440" bIns="45720" numCol="1" anchor="t" anchorCtr="0" compatLnSpc="1">
-            <a:prstTxWarp prst="textNoShape">
-              <a:avLst/>
-            </a:prstTxWarp>
-          </a:bodyPr>
-          <a:lstStyle/>
-          <a:p>
-            <a:endParaRPr lang="en-US"/>
-          </a:p>
-        </p:txBody>
-      </p:sp>
-      <p:pic>
-        <p:nvPicPr>
-          <p:cNvPr id="12" name="Graphic 11">
-            <a:extLst>
-              <a:ext uri="{FF2B5EF4-FFF2-40B4-BE49-F238E27FC236}">
-                <a16:creationId xmlns:a16="http://schemas.microsoft.com/office/drawing/2014/main" id="{3BFD8F12-3B7F-8DD1-196C-769FDA4B2124}"/>
+                <a16:creationId xmlns:a16="http://schemas.microsoft.com/office/drawing/2014/main" id="{5EDFA8A1-F778-C05B-2BE7-35D8A75329FC}"/>
               </a:ext>
             </a:extLst>
           </p:cNvPr>
@@ -8181,7 +8667,7 @@
     </p:spTree>
     <p:extLst>
       <p:ext uri="{BB962C8B-B14F-4D97-AF65-F5344CB8AC3E}">
-        <p14:creationId xmlns:p14="http://schemas.microsoft.com/office/powerpoint/2010/main" val="4071869684"/>
+        <p14:creationId xmlns:p14="http://schemas.microsoft.com/office/powerpoint/2010/main" val="2816673819"/>
       </p:ext>
     </p:extLst>
   </p:cSld>
@@ -8212,7 +8698,7 @@
                             </p:stCondLst>
                             <p:childTnLst>
                               <p:par>
-                                <p:cTn id="5" presetID="9" presetClass="entr" presetSubtype="0" fill="hold" nodeType="withEffect">
+                                <p:cTn id="5" presetID="23" presetClass="entr" presetSubtype="16" fill="hold" nodeType="withEffect">
                                   <p:stCondLst>
                                     <p:cond delay="0"/>
                                   </p:stCondLst>
@@ -8225,7 +8711,7 @@
                                           </p:stCondLst>
                                         </p:cTn>
                                         <p:tgtEl>
-                                          <p:spTgt spid="4098"/>
+                                          <p:spTgt spid="3"/>
                                         </p:tgtEl>
                                         <p:attrNameLst>
                                           <p:attrName>style.visibility</p:attrName>
@@ -8235,32 +8721,79 @@
                                         <p:strVal val="visible"/>
                                       </p:to>
                                     </p:set>
-                                    <p:animEffect transition="in" filter="dissolve">
+                                    <p:anim calcmode="lin" valueType="num">
                                       <p:cBhvr>
-                                        <p:cTn id="7" dur="2000"/>
+                                        <p:cTn id="7" dur="500" fill="hold"/>
                                         <p:tgtEl>
-                                          <p:spTgt spid="4098"/>
+                                          <p:spTgt spid="3"/>
                                         </p:tgtEl>
+                                        <p:attrNameLst>
+                                          <p:attrName>ppt_w</p:attrName>
+                                        </p:attrNameLst>
                                       </p:cBhvr>
-                                    </p:animEffect>
+                                      <p:tavLst>
+                                        <p:tav tm="0">
+                                          <p:val>
+                                            <p:fltVal val="0"/>
+                                          </p:val>
+                                        </p:tav>
+                                        <p:tav tm="100000">
+                                          <p:val>
+                                            <p:strVal val="#ppt_w"/>
+                                          </p:val>
+                                        </p:tav>
+                                      </p:tavLst>
+                                    </p:anim>
+                                    <p:anim calcmode="lin" valueType="num">
+                                      <p:cBhvr>
+                                        <p:cTn id="8" dur="500" fill="hold"/>
+                                        <p:tgtEl>
+                                          <p:spTgt spid="3"/>
+                                        </p:tgtEl>
+                                        <p:attrNameLst>
+                                          <p:attrName>ppt_h</p:attrName>
+                                        </p:attrNameLst>
+                                      </p:cBhvr>
+                                      <p:tavLst>
+                                        <p:tav tm="0">
+                                          <p:val>
+                                            <p:fltVal val="0"/>
+                                          </p:val>
+                                        </p:tav>
+                                        <p:tav tm="100000">
+                                          <p:val>
+                                            <p:strVal val="#ppt_h"/>
+                                          </p:val>
+                                        </p:tav>
+                                      </p:tavLst>
+                                    </p:anim>
                                   </p:childTnLst>
                                 </p:cTn>
                               </p:par>
+                            </p:childTnLst>
+                          </p:cTn>
+                        </p:par>
+                        <p:par>
+                          <p:cTn id="9" fill="hold">
+                            <p:stCondLst>
+                              <p:cond delay="500"/>
+                            </p:stCondLst>
+                            <p:childTnLst>
                               <p:par>
-                                <p:cTn id="8" presetID="9" presetClass="entr" presetSubtype="0" fill="hold" nodeType="withEffect">
+                                <p:cTn id="10" presetID="23" presetClass="entr" presetSubtype="16" fill="hold" nodeType="afterEffect">
                                   <p:stCondLst>
                                     <p:cond delay="0"/>
                                   </p:stCondLst>
                                   <p:childTnLst>
                                     <p:set>
                                       <p:cBhvr>
-                                        <p:cTn id="9" dur="1" fill="hold">
+                                        <p:cTn id="11" dur="1" fill="hold">
                                           <p:stCondLst>
                                             <p:cond delay="0"/>
                                           </p:stCondLst>
                                         </p:cTn>
                                         <p:tgtEl>
-                                          <p:spTgt spid="4100"/>
+                                          <p:spTgt spid="4"/>
                                         </p:tgtEl>
                                         <p:attrNameLst>
                                           <p:attrName>style.visibility</p:attrName>
@@ -8270,32 +8803,79 @@
                                         <p:strVal val="visible"/>
                                       </p:to>
                                     </p:set>
-                                    <p:animEffect transition="in" filter="dissolve">
+                                    <p:anim calcmode="lin" valueType="num">
                                       <p:cBhvr>
-                                        <p:cTn id="10" dur="2000"/>
+                                        <p:cTn id="12" dur="500" fill="hold"/>
                                         <p:tgtEl>
-                                          <p:spTgt spid="4100"/>
+                                          <p:spTgt spid="4"/>
                                         </p:tgtEl>
+                                        <p:attrNameLst>
+                                          <p:attrName>ppt_w</p:attrName>
+                                        </p:attrNameLst>
                                       </p:cBhvr>
-                                    </p:animEffect>
+                                      <p:tavLst>
+                                        <p:tav tm="0">
+                                          <p:val>
+                                            <p:fltVal val="0"/>
+                                          </p:val>
+                                        </p:tav>
+                                        <p:tav tm="100000">
+                                          <p:val>
+                                            <p:strVal val="#ppt_w"/>
+                                          </p:val>
+                                        </p:tav>
+                                      </p:tavLst>
+                                    </p:anim>
+                                    <p:anim calcmode="lin" valueType="num">
+                                      <p:cBhvr>
+                                        <p:cTn id="13" dur="500" fill="hold"/>
+                                        <p:tgtEl>
+                                          <p:spTgt spid="4"/>
+                                        </p:tgtEl>
+                                        <p:attrNameLst>
+                                          <p:attrName>ppt_h</p:attrName>
+                                        </p:attrNameLst>
+                                      </p:cBhvr>
+                                      <p:tavLst>
+                                        <p:tav tm="0">
+                                          <p:val>
+                                            <p:fltVal val="0"/>
+                                          </p:val>
+                                        </p:tav>
+                                        <p:tav tm="100000">
+                                          <p:val>
+                                            <p:strVal val="#ppt_h"/>
+                                          </p:val>
+                                        </p:tav>
+                                      </p:tavLst>
+                                    </p:anim>
                                   </p:childTnLst>
                                 </p:cTn>
                               </p:par>
+                            </p:childTnLst>
+                          </p:cTn>
+                        </p:par>
+                        <p:par>
+                          <p:cTn id="14" fill="hold">
+                            <p:stCondLst>
+                              <p:cond delay="1000"/>
+                            </p:stCondLst>
+                            <p:childTnLst>
                               <p:par>
-                                <p:cTn id="11" presetID="9" presetClass="entr" presetSubtype="0" fill="hold" nodeType="withEffect">
+                                <p:cTn id="15" presetID="23" presetClass="entr" presetSubtype="16" fill="hold" nodeType="afterEffect">
                                   <p:stCondLst>
                                     <p:cond delay="0"/>
                                   </p:stCondLst>
                                   <p:childTnLst>
                                     <p:set>
                                       <p:cBhvr>
-                                        <p:cTn id="12" dur="1" fill="hold">
+                                        <p:cTn id="16" dur="1" fill="hold">
                                           <p:stCondLst>
                                             <p:cond delay="0"/>
                                           </p:stCondLst>
                                         </p:cTn>
                                         <p:tgtEl>
-                                          <p:spTgt spid="12"/>
+                                          <p:spTgt spid="5"/>
                                         </p:tgtEl>
                                         <p:attrNameLst>
                                           <p:attrName>style.visibility</p:attrName>
@@ -8305,14 +8885,52 @@
                                         <p:strVal val="visible"/>
                                       </p:to>
                                     </p:set>
-                                    <p:animEffect transition="in" filter="dissolve">
+                                    <p:anim calcmode="lin" valueType="num">
                                       <p:cBhvr>
-                                        <p:cTn id="13" dur="2000"/>
+                                        <p:cTn id="17" dur="500" fill="hold"/>
                                         <p:tgtEl>
-                                          <p:spTgt spid="12"/>
+                                          <p:spTgt spid="5"/>
                                         </p:tgtEl>
+                                        <p:attrNameLst>
+                                          <p:attrName>ppt_w</p:attrName>
+                                        </p:attrNameLst>
                                       </p:cBhvr>
-                                    </p:animEffect>
+                                      <p:tavLst>
+                                        <p:tav tm="0">
+                                          <p:val>
+                                            <p:fltVal val="0"/>
+                                          </p:val>
+                                        </p:tav>
+                                        <p:tav tm="100000">
+                                          <p:val>
+                                            <p:strVal val="#ppt_w"/>
+                                          </p:val>
+                                        </p:tav>
+                                      </p:tavLst>
+                                    </p:anim>
+                                    <p:anim calcmode="lin" valueType="num">
+                                      <p:cBhvr>
+                                        <p:cTn id="18" dur="500" fill="hold"/>
+                                        <p:tgtEl>
+                                          <p:spTgt spid="5"/>
+                                        </p:tgtEl>
+                                        <p:attrNameLst>
+                                          <p:attrName>ppt_h</p:attrName>
+                                        </p:attrNameLst>
+                                      </p:cBhvr>
+                                      <p:tavLst>
+                                        <p:tav tm="0">
+                                          <p:val>
+                                            <p:fltVal val="0"/>
+                                          </p:val>
+                                        </p:tav>
+                                        <p:tav tm="100000">
+                                          <p:val>
+                                            <p:strVal val="#ppt_h"/>
+                                          </p:val>
+                                        </p:tav>
+                                      </p:tavLst>
+                                    </p:anim>
                                   </p:childTnLst>
                                 </p:cTn>
                               </p:par>
@@ -8415,7 +9033,7 @@
         <p:spPr>
           <a:xfrm>
             <a:off x="4662175" y="3416300"/>
-            <a:ext cx="2867645" cy="1200329"/>
+            <a:ext cx="2867645" cy="1938992"/>
           </a:xfrm>
           <a:prstGeom prst="rect">
             <a:avLst/>
@@ -8438,6 +9056,9 @@
             </a:r>
           </a:p>
           <a:p>
+            <a:endParaRPr lang="en-US" sz="2400" dirty="0"/>
+          </a:p>
+          <a:p>
             <a:pPr marL="285750" indent="-285750">
               <a:buFont typeface="Arial" panose="020B0604020202020204" pitchFamily="34" charset="0"/>
               <a:buChar char="•"/>
@@ -8446,6 +9067,9 @@
               <a:rPr lang="en-US" sz="2400" dirty="0"/>
               <a:t>period: 1915-2020</a:t>
             </a:r>
+          </a:p>
+          <a:p>
+            <a:endParaRPr lang="en-US" sz="2400" dirty="0"/>
           </a:p>
           <a:p>
             <a:pPr marL="285750" indent="-285750">
@@ -8504,7 +9128,7 @@
         <p:spPr>
           <a:xfrm>
             <a:off x="3586627" y="3540873"/>
-            <a:ext cx="5018746" cy="1200329"/>
+            <a:ext cx="5018746" cy="1938992"/>
           </a:xfrm>
           <a:prstGeom prst="rect">
             <a:avLst/>
@@ -8527,6 +9151,9 @@
             </a:r>
           </a:p>
           <a:p>
+            <a:endParaRPr lang="en-US" sz="2400" dirty="0"/>
+          </a:p>
+          <a:p>
             <a:pPr marL="285750" indent="-285750">
               <a:buFont typeface="Arial" panose="020B0604020202020204" pitchFamily="34" charset="0"/>
               <a:buChar char="•"/>
@@ -8535,6 +9162,13 @@
               <a:rPr lang="en-US" sz="2400" dirty="0"/>
               <a:t>period: 1914-2020</a:t>
             </a:r>
+          </a:p>
+          <a:p>
+            <a:pPr marL="285750" indent="-285750">
+              <a:buFont typeface="Arial" panose="020B0604020202020204" pitchFamily="34" charset="0"/>
+              <a:buChar char="•"/>
+            </a:pPr>
+            <a:endParaRPr lang="en-US" sz="2400" dirty="0"/>
           </a:p>
           <a:p>
             <a:pPr marL="285750" indent="-285750">
@@ -8640,7 +9274,7 @@
         <p:spPr>
           <a:xfrm>
             <a:off x="4087051" y="3649272"/>
-            <a:ext cx="4017895" cy="1200329"/>
+            <a:ext cx="4017895" cy="1938992"/>
           </a:xfrm>
           <a:prstGeom prst="rect">
             <a:avLst/>
@@ -8667,10 +9301,24 @@
               <a:buFont typeface="Arial" panose="020B0604020202020204" pitchFamily="34" charset="0"/>
               <a:buChar char="•"/>
             </a:pPr>
+            <a:endParaRPr lang="en-US" sz="2400" dirty="0"/>
+          </a:p>
+          <a:p>
+            <a:pPr marL="285750" indent="-285750">
+              <a:buFont typeface="Arial" panose="020B0604020202020204" pitchFamily="34" charset="0"/>
+              <a:buChar char="•"/>
+            </a:pPr>
             <a:r>
               <a:rPr lang="en-US" sz="2400" dirty="0"/>
               <a:t>period: 2010-2020</a:t>
             </a:r>
+          </a:p>
+          <a:p>
+            <a:pPr marL="285750" indent="-285750">
+              <a:buFont typeface="Arial" panose="020B0604020202020204" pitchFamily="34" charset="0"/>
+              <a:buChar char="•"/>
+            </a:pPr>
+            <a:endParaRPr lang="en-US" sz="2400" dirty="0"/>
           </a:p>
           <a:p>
             <a:pPr marL="285750" indent="-285750">
@@ -8878,26 +9526,111 @@
           <p:cNvPr id="2" name="Title 1">
             <a:extLst>
               <a:ext uri="{FF2B5EF4-FFF2-40B4-BE49-F238E27FC236}">
-                <a16:creationId xmlns:a16="http://schemas.microsoft.com/office/drawing/2014/main" id="{F37895CB-0553-CBEE-D84A-0B14B3CEAB87}"/>
+                <a16:creationId xmlns:a16="http://schemas.microsoft.com/office/drawing/2014/main" id="{C417766C-CB4F-D786-0C82-22C10560CDE5}"/>
               </a:ext>
             </a:extLst>
           </p:cNvPr>
-          <p:cNvSpPr>
-            <a:spLocks noGrp="1"/>
-          </p:cNvSpPr>
-          <p:nvPr>
-            <p:ph type="title"/>
-          </p:nvPr>
-        </p:nvSpPr>
-        <p:spPr/>
+          <p:cNvSpPr txBox="1">
+            <a:spLocks/>
+          </p:cNvSpPr>
+          <p:nvPr/>
+        </p:nvSpPr>
+        <p:spPr>
+          <a:xfrm>
+            <a:off x="1295402" y="982132"/>
+            <a:ext cx="9601196" cy="1303867"/>
+          </a:xfrm>
+          <a:prstGeom prst="rect">
+            <a:avLst/>
+          </a:prstGeom>
+        </p:spPr>
         <p:txBody>
           <a:bodyPr/>
-          <a:lstStyle/>
-          <a:p>
-            <a:r>
-              <a:rPr lang="en-US" dirty="0"/>
+          <a:lstStyle>
+            <a:lvl1pPr algn="ctr" defTabSz="457200" rtl="0" eaLnBrk="1" latinLnBrk="0" hangingPunct="1">
+              <a:spcBef>
+                <a:spcPct val="0"/>
+              </a:spcBef>
+              <a:buNone/>
+              <a:defRPr sz="4400" kern="1200" cap="none">
+                <a:ln w="3175" cmpd="sng">
+                  <a:noFill/>
+                </a:ln>
+                <a:solidFill>
+                  <a:schemeClr val="tx1">
+                    <a:lumMod val="85000"/>
+                    <a:lumOff val="15000"/>
+                  </a:schemeClr>
+                </a:solidFill>
+                <a:effectLst/>
+                <a:latin typeface="+mj-lt"/>
+                <a:ea typeface="+mj-ea"/>
+                <a:cs typeface="+mj-cs"/>
+              </a:defRPr>
+            </a:lvl1pPr>
+            <a:lvl2pPr eaLnBrk="1" hangingPunct="1">
+              <a:defRPr>
+                <a:solidFill>
+                  <a:schemeClr val="tx2"/>
+                </a:solidFill>
+              </a:defRPr>
+            </a:lvl2pPr>
+            <a:lvl3pPr eaLnBrk="1" hangingPunct="1">
+              <a:defRPr>
+                <a:solidFill>
+                  <a:schemeClr val="tx2"/>
+                </a:solidFill>
+              </a:defRPr>
+            </a:lvl3pPr>
+            <a:lvl4pPr eaLnBrk="1" hangingPunct="1">
+              <a:defRPr>
+                <a:solidFill>
+                  <a:schemeClr val="tx2"/>
+                </a:solidFill>
+              </a:defRPr>
+            </a:lvl4pPr>
+            <a:lvl5pPr eaLnBrk="1" hangingPunct="1">
+              <a:defRPr>
+                <a:solidFill>
+                  <a:schemeClr val="tx2"/>
+                </a:solidFill>
+              </a:defRPr>
+            </a:lvl5pPr>
+            <a:lvl6pPr eaLnBrk="1" hangingPunct="1">
+              <a:defRPr>
+                <a:solidFill>
+                  <a:schemeClr val="tx2"/>
+                </a:solidFill>
+              </a:defRPr>
+            </a:lvl6pPr>
+            <a:lvl7pPr eaLnBrk="1" hangingPunct="1">
+              <a:defRPr>
+                <a:solidFill>
+                  <a:schemeClr val="tx2"/>
+                </a:solidFill>
+              </a:defRPr>
+            </a:lvl7pPr>
+            <a:lvl8pPr eaLnBrk="1" hangingPunct="1">
+              <a:defRPr>
+                <a:solidFill>
+                  <a:schemeClr val="tx2"/>
+                </a:solidFill>
+              </a:defRPr>
+            </a:lvl8pPr>
+            <a:lvl9pPr eaLnBrk="1" hangingPunct="1">
+              <a:defRPr>
+                <a:solidFill>
+                  <a:schemeClr val="tx2"/>
+                </a:solidFill>
+              </a:defRPr>
+            </a:lvl9pPr>
+          </a:lstStyle>
+          <a:p>
+            <a:r>
+              <a:rPr lang="en-US"/>
               <a:t>feature creation</a:t>
             </a:r>
+            <a:endParaRPr lang="en-US" dirty="0"/>
           </a:p>
         </p:txBody>
       </p:sp>
@@ -8906,28 +9639,264 @@
           <p:cNvPr id="3" name="Content Placeholder 2">
             <a:extLst>
               <a:ext uri="{FF2B5EF4-FFF2-40B4-BE49-F238E27FC236}">
-                <a16:creationId xmlns:a16="http://schemas.microsoft.com/office/drawing/2014/main" id="{5C84DC76-E53B-70CD-6167-1970C0899FB7}"/>
+                <a16:creationId xmlns:a16="http://schemas.microsoft.com/office/drawing/2014/main" id="{F15B03E3-3D67-9B38-2665-58B44BDBFDE0}"/>
               </a:ext>
             </a:extLst>
           </p:cNvPr>
-          <p:cNvSpPr>
-            <a:spLocks noGrp="1"/>
-          </p:cNvSpPr>
-          <p:nvPr>
-            <p:ph idx="1"/>
-          </p:nvPr>
+          <p:cNvSpPr txBox="1">
+            <a:spLocks/>
+          </p:cNvSpPr>
+          <p:nvPr/>
         </p:nvSpPr>
         <p:spPr>
           <a:xfrm>
-            <a:off x="3808522" y="2747432"/>
-            <a:ext cx="4574956" cy="3318936"/>
-          </a:xfrm>
+            <a:off x="3421116" y="2704570"/>
+            <a:ext cx="5349767" cy="3318936"/>
+          </a:xfrm>
+          <a:prstGeom prst="rect">
+            <a:avLst/>
+          </a:prstGeom>
         </p:spPr>
         <p:txBody>
           <a:bodyPr>
             <a:noAutofit/>
           </a:bodyPr>
-          <a:lstStyle/>
+          <a:lstStyle>
+            <a:lvl1pPr marL="285750" indent="-285750" algn="l" defTabSz="457200" rtl="0" eaLnBrk="1" latinLnBrk="0" hangingPunct="1">
+              <a:spcBef>
+                <a:spcPct val="20000"/>
+              </a:spcBef>
+              <a:spcAft>
+                <a:spcPts val="600"/>
+              </a:spcAft>
+              <a:buClr>
+                <a:schemeClr val="accent1"/>
+              </a:buClr>
+              <a:buSzPct val="115000"/>
+              <a:buFont typeface="Arial"/>
+              <a:buChar char="•"/>
+              <a:defRPr sz="2400" kern="1200" cap="none">
+                <a:solidFill>
+                  <a:schemeClr val="tx1">
+                    <a:lumMod val="85000"/>
+                    <a:lumOff val="15000"/>
+                  </a:schemeClr>
+                </a:solidFill>
+                <a:effectLst/>
+                <a:latin typeface="+mn-lt"/>
+                <a:ea typeface="+mn-ea"/>
+                <a:cs typeface="+mn-cs"/>
+              </a:defRPr>
+            </a:lvl1pPr>
+            <a:lvl2pPr marL="742950" indent="-285750" algn="l" defTabSz="457200" rtl="0" eaLnBrk="1" latinLnBrk="0" hangingPunct="1">
+              <a:spcBef>
+                <a:spcPct val="20000"/>
+              </a:spcBef>
+              <a:spcAft>
+                <a:spcPts val="600"/>
+              </a:spcAft>
+              <a:buClr>
+                <a:schemeClr val="accent1"/>
+              </a:buClr>
+              <a:buSzPct val="115000"/>
+              <a:buFont typeface="Arial"/>
+              <a:buChar char="•"/>
+              <a:defRPr sz="2000" kern="1200" cap="none">
+                <a:solidFill>
+                  <a:schemeClr val="tx1">
+                    <a:lumMod val="85000"/>
+                    <a:lumOff val="15000"/>
+                  </a:schemeClr>
+                </a:solidFill>
+                <a:effectLst/>
+                <a:latin typeface="+mn-lt"/>
+                <a:ea typeface="+mn-ea"/>
+                <a:cs typeface="+mn-cs"/>
+              </a:defRPr>
+            </a:lvl2pPr>
+            <a:lvl3pPr marL="1200150" indent="-285750" algn="l" defTabSz="457200" rtl="0" eaLnBrk="1" latinLnBrk="0" hangingPunct="1">
+              <a:spcBef>
+                <a:spcPct val="20000"/>
+              </a:spcBef>
+              <a:spcAft>
+                <a:spcPts val="600"/>
+              </a:spcAft>
+              <a:buClr>
+                <a:schemeClr val="accent1"/>
+              </a:buClr>
+              <a:buSzPct val="115000"/>
+              <a:buFont typeface="Arial"/>
+              <a:buChar char="•"/>
+              <a:defRPr sz="1800" kern="1200" cap="none">
+                <a:solidFill>
+                  <a:schemeClr val="tx1">
+                    <a:lumMod val="85000"/>
+                    <a:lumOff val="15000"/>
+                  </a:schemeClr>
+                </a:solidFill>
+                <a:effectLst/>
+                <a:latin typeface="+mn-lt"/>
+                <a:ea typeface="+mn-ea"/>
+                <a:cs typeface="+mn-cs"/>
+              </a:defRPr>
+            </a:lvl3pPr>
+            <a:lvl4pPr marL="1543050" indent="-171450" algn="l" defTabSz="457200" rtl="0" eaLnBrk="1" latinLnBrk="0" hangingPunct="1">
+              <a:spcBef>
+                <a:spcPct val="20000"/>
+              </a:spcBef>
+              <a:spcAft>
+                <a:spcPts val="600"/>
+              </a:spcAft>
+              <a:buClr>
+                <a:schemeClr val="accent1"/>
+              </a:buClr>
+              <a:buSzPct val="115000"/>
+              <a:buFont typeface="Arial"/>
+              <a:buChar char="•"/>
+              <a:defRPr sz="1600" kern="1200" cap="none">
+                <a:solidFill>
+                  <a:schemeClr val="tx1">
+                    <a:lumMod val="85000"/>
+                    <a:lumOff val="15000"/>
+                  </a:schemeClr>
+                </a:solidFill>
+                <a:effectLst/>
+                <a:latin typeface="+mn-lt"/>
+                <a:ea typeface="+mn-ea"/>
+                <a:cs typeface="+mn-cs"/>
+              </a:defRPr>
+            </a:lvl4pPr>
+            <a:lvl5pPr marL="2000250" indent="-171450" algn="l" defTabSz="457200" rtl="0" eaLnBrk="1" latinLnBrk="0" hangingPunct="1">
+              <a:spcBef>
+                <a:spcPct val="20000"/>
+              </a:spcBef>
+              <a:spcAft>
+                <a:spcPts val="600"/>
+              </a:spcAft>
+              <a:buClr>
+                <a:schemeClr val="accent1"/>
+              </a:buClr>
+              <a:buSzPct val="115000"/>
+              <a:buFont typeface="Arial"/>
+              <a:buChar char="•"/>
+              <a:defRPr sz="1400" kern="1200" cap="none">
+                <a:solidFill>
+                  <a:schemeClr val="tx1">
+                    <a:lumMod val="85000"/>
+                    <a:lumOff val="15000"/>
+                  </a:schemeClr>
+                </a:solidFill>
+                <a:effectLst/>
+                <a:latin typeface="+mn-lt"/>
+                <a:ea typeface="+mn-ea"/>
+                <a:cs typeface="+mn-cs"/>
+              </a:defRPr>
+            </a:lvl5pPr>
+            <a:lvl6pPr marL="2514600" indent="-228600" algn="l" defTabSz="457200" rtl="0" eaLnBrk="1" latinLnBrk="0" hangingPunct="1">
+              <a:spcBef>
+                <a:spcPct val="20000"/>
+              </a:spcBef>
+              <a:spcAft>
+                <a:spcPts val="600"/>
+              </a:spcAft>
+              <a:buClr>
+                <a:schemeClr val="accent1"/>
+              </a:buClr>
+              <a:buSzPct val="115000"/>
+              <a:buFont typeface="Arial"/>
+              <a:buChar char="•"/>
+              <a:defRPr sz="1400" kern="1200" cap="none">
+                <a:solidFill>
+                  <a:schemeClr val="tx1">
+                    <a:lumMod val="85000"/>
+                    <a:lumOff val="15000"/>
+                  </a:schemeClr>
+                </a:solidFill>
+                <a:effectLst/>
+                <a:latin typeface="+mn-lt"/>
+                <a:ea typeface="+mn-ea"/>
+                <a:cs typeface="+mn-cs"/>
+              </a:defRPr>
+            </a:lvl6pPr>
+            <a:lvl7pPr marL="2971800" indent="-228600" algn="l" defTabSz="457200" rtl="0" eaLnBrk="1" latinLnBrk="0" hangingPunct="1">
+              <a:spcBef>
+                <a:spcPct val="20000"/>
+              </a:spcBef>
+              <a:spcAft>
+                <a:spcPts val="600"/>
+              </a:spcAft>
+              <a:buClr>
+                <a:schemeClr val="accent1"/>
+              </a:buClr>
+              <a:buSzPct val="115000"/>
+              <a:buFont typeface="Arial"/>
+              <a:buChar char="•"/>
+              <a:defRPr sz="1400" kern="1200" cap="none">
+                <a:solidFill>
+                  <a:schemeClr val="tx1">
+                    <a:lumMod val="85000"/>
+                    <a:lumOff val="15000"/>
+                  </a:schemeClr>
+                </a:solidFill>
+                <a:effectLst/>
+                <a:latin typeface="+mn-lt"/>
+                <a:ea typeface="+mn-ea"/>
+                <a:cs typeface="+mn-cs"/>
+              </a:defRPr>
+            </a:lvl7pPr>
+            <a:lvl8pPr marL="3429000" indent="-228600" algn="l" defTabSz="457200" rtl="0" eaLnBrk="1" latinLnBrk="0" hangingPunct="1">
+              <a:spcBef>
+                <a:spcPct val="20000"/>
+              </a:spcBef>
+              <a:spcAft>
+                <a:spcPts val="600"/>
+              </a:spcAft>
+              <a:buClr>
+                <a:schemeClr val="accent1"/>
+              </a:buClr>
+              <a:buSzPct val="115000"/>
+              <a:buFont typeface="Arial"/>
+              <a:buChar char="•"/>
+              <a:defRPr sz="1400" kern="1200" cap="none">
+                <a:solidFill>
+                  <a:schemeClr val="tx1">
+                    <a:lumMod val="85000"/>
+                    <a:lumOff val="15000"/>
+                  </a:schemeClr>
+                </a:solidFill>
+                <a:effectLst/>
+                <a:latin typeface="+mn-lt"/>
+                <a:ea typeface="+mn-ea"/>
+                <a:cs typeface="+mn-cs"/>
+              </a:defRPr>
+            </a:lvl8pPr>
+            <a:lvl9pPr marL="3886200" indent="-228600" algn="l" defTabSz="457200" rtl="0" eaLnBrk="1" latinLnBrk="0" hangingPunct="1">
+              <a:spcBef>
+                <a:spcPct val="20000"/>
+              </a:spcBef>
+              <a:spcAft>
+                <a:spcPts val="600"/>
+              </a:spcAft>
+              <a:buClr>
+                <a:schemeClr val="accent1"/>
+              </a:buClr>
+              <a:buSzPct val="115000"/>
+              <a:buFont typeface="Arial"/>
+              <a:buChar char="•"/>
+              <a:defRPr sz="1400" kern="1200" cap="none">
+                <a:solidFill>
+                  <a:schemeClr val="tx1">
+                    <a:lumMod val="85000"/>
+                    <a:lumOff val="15000"/>
+                  </a:schemeClr>
+                </a:solidFill>
+                <a:effectLst/>
+                <a:latin typeface="+mn-lt"/>
+                <a:ea typeface="+mn-ea"/>
+                <a:cs typeface="+mn-cs"/>
+              </a:defRPr>
+            </a:lvl9pPr>
+          </a:lstStyle>
           <a:p>
             <a:r>
               <a:rPr lang="en-US" dirty="0"/>
@@ -8955,13 +9924,24 @@
           <a:p>
             <a:r>
               <a:rPr lang="en-US" dirty="0"/>
-              <a:t>past profit (of directors, of cast) *</a:t>
-            </a:r>
-          </a:p>
-          <a:p>
-            <a:r>
-              <a:rPr lang="en-US" dirty="0"/>
-              <a:t>past ROI (of directors, of cast) *</a:t>
+              <a:t>profit history (of directors, of cast) *</a:t>
+            </a:r>
+          </a:p>
+          <a:p>
+            <a:pPr marL="0" indent="0">
+              <a:buFont typeface="Arial"/>
+              <a:buNone/>
+            </a:pPr>
+            <a:endParaRPr lang="en-US" sz="1800" dirty="0"/>
+          </a:p>
+          <a:p>
+            <a:pPr marL="0" indent="0">
+              <a:buFont typeface="Arial"/>
+              <a:buNone/>
+            </a:pPr>
+            <a:r>
+              <a:rPr lang="en-US" sz="1800" dirty="0"/>
+              <a:t>	* more on that soon</a:t>
             </a:r>
           </a:p>
         </p:txBody>
@@ -8969,7 +9949,7 @@
     </p:spTree>
     <p:extLst>
       <p:ext uri="{BB962C8B-B14F-4D97-AF65-F5344CB8AC3E}">
-        <p14:creationId xmlns:p14="http://schemas.microsoft.com/office/powerpoint/2010/main" val="3741354948"/>
+        <p14:creationId xmlns:p14="http://schemas.microsoft.com/office/powerpoint/2010/main" val="2412191487"/>
       </p:ext>
     </p:extLst>
   </p:cSld>

--- a/phase 1 project presentation.pptx
+++ b/phase 1 project presentation.pptx
@@ -473,7 +473,7 @@
             <a:fld id="{B61BEF0D-F0BB-DE4B-95CE-6DB70DBA9567}" type="datetimeFigureOut">
               <a:rPr lang="en-US" dirty="0"/>
               <a:pPr/>
-              <a:t>1/2/23</a:t>
+              <a:t>1/4/23</a:t>
             </a:fld>
             <a:endParaRPr lang="en-US" dirty="0"/>
           </a:p>
@@ -794,7 +794,7 @@
             <a:fld id="{B61BEF0D-F0BB-DE4B-95CE-6DB70DBA9567}" type="datetimeFigureOut">
               <a:rPr lang="en-US" dirty="0"/>
               <a:pPr/>
-              <a:t>1/2/23</a:t>
+              <a:t>1/4/23</a:t>
             </a:fld>
             <a:endParaRPr lang="en-US" dirty="0"/>
           </a:p>
@@ -1039,7 +1039,7 @@
             <a:fld id="{B61BEF0D-F0BB-DE4B-95CE-6DB70DBA9567}" type="datetimeFigureOut">
               <a:rPr lang="en-US" dirty="0"/>
               <a:pPr/>
-              <a:t>1/2/23</a:t>
+              <a:t>1/4/23</a:t>
             </a:fld>
             <a:endParaRPr lang="en-US" dirty="0"/>
           </a:p>
@@ -1375,7 +1375,7 @@
             <a:fld id="{B61BEF0D-F0BB-DE4B-95CE-6DB70DBA9567}" type="datetimeFigureOut">
               <a:rPr lang="en-US" dirty="0"/>
               <a:pPr/>
-              <a:t>1/2/23</a:t>
+              <a:t>1/4/23</a:t>
             </a:fld>
             <a:endParaRPr lang="en-US" dirty="0"/>
           </a:p>
@@ -1719,7 +1719,7 @@
             <a:fld id="{B61BEF0D-F0BB-DE4B-95CE-6DB70DBA9567}" type="datetimeFigureOut">
               <a:rPr lang="en-US" dirty="0"/>
               <a:pPr/>
-              <a:t>1/2/23</a:t>
+              <a:t>1/4/23</a:t>
             </a:fld>
             <a:endParaRPr lang="en-US" dirty="0"/>
           </a:p>
@@ -2090,7 +2090,7 @@
             <a:fld id="{B61BEF0D-F0BB-DE4B-95CE-6DB70DBA9567}" type="datetimeFigureOut">
               <a:rPr lang="en-US" dirty="0"/>
               <a:pPr/>
-              <a:t>1/2/23</a:t>
+              <a:t>1/4/23</a:t>
             </a:fld>
             <a:endParaRPr lang="en-US" dirty="0"/>
           </a:p>
@@ -2557,7 +2557,7 @@
             <a:fld id="{B61BEF0D-F0BB-DE4B-95CE-6DB70DBA9567}" type="datetimeFigureOut">
               <a:rPr lang="en-US" dirty="0"/>
               <a:pPr/>
-              <a:t>1/2/23</a:t>
+              <a:t>1/4/23</a:t>
             </a:fld>
             <a:endParaRPr lang="en-US" dirty="0"/>
           </a:p>
@@ -2759,7 +2759,7 @@
             <a:fld id="{B61BEF0D-F0BB-DE4B-95CE-6DB70DBA9567}" type="datetimeFigureOut">
               <a:rPr lang="en-US" dirty="0"/>
               <a:pPr/>
-              <a:t>1/2/23</a:t>
+              <a:t>1/4/23</a:t>
             </a:fld>
             <a:endParaRPr lang="en-US" dirty="0"/>
           </a:p>
@@ -2967,7 +2967,7 @@
             <a:fld id="{B61BEF0D-F0BB-DE4B-95CE-6DB70DBA9567}" type="datetimeFigureOut">
               <a:rPr lang="en-US" dirty="0"/>
               <a:pPr/>
-              <a:t>1/2/23</a:t>
+              <a:t>1/4/23</a:t>
             </a:fld>
             <a:endParaRPr lang="en-US" dirty="0"/>
           </a:p>
@@ -3195,7 +3195,7 @@
           <a:p>
             <a:fld id="{52647F38-B617-4D2F-AE0A-013F0C4D2C57}" type="datetimeFigureOut">
               <a:rPr lang="en-US" dirty="0"/>
-              <a:t>1/2/23</a:t>
+              <a:t>1/4/23</a:t>
             </a:fld>
             <a:endParaRPr lang="en-US" dirty="0"/>
           </a:p>
@@ -3439,7 +3439,7 @@
             <a:fld id="{B61BEF0D-F0BB-DE4B-95CE-6DB70DBA9567}" type="datetimeFigureOut">
               <a:rPr lang="en-US" dirty="0"/>
               <a:pPr/>
-              <a:t>1/2/23</a:t>
+              <a:t>1/4/23</a:t>
             </a:fld>
             <a:endParaRPr lang="en-US" dirty="0"/>
           </a:p>
@@ -3733,7 +3733,7 @@
           <a:p>
             <a:fld id="{05BFA754-D5C3-4E66-96A6-867B257F58DC}" type="datetimeFigureOut">
               <a:rPr lang="en-US" dirty="0"/>
-              <a:t>1/2/23</a:t>
+              <a:t>1/4/23</a:t>
             </a:fld>
             <a:endParaRPr lang="en-US" dirty="0"/>
           </a:p>
@@ -4123,7 +4123,7 @@
             <a:fld id="{B61BEF0D-F0BB-DE4B-95CE-6DB70DBA9567}" type="datetimeFigureOut">
               <a:rPr lang="en-US" dirty="0"/>
               <a:pPr/>
-              <a:t>1/2/23</a:t>
+              <a:t>1/4/23</a:t>
             </a:fld>
             <a:endParaRPr lang="en-US" dirty="0"/>
           </a:p>
@@ -4269,7 +4269,7 @@
             <a:fld id="{B61BEF0D-F0BB-DE4B-95CE-6DB70DBA9567}" type="datetimeFigureOut">
               <a:rPr lang="en-US" dirty="0"/>
               <a:pPr/>
-              <a:t>1/2/23</a:t>
+              <a:t>1/4/23</a:t>
             </a:fld>
             <a:endParaRPr lang="en-US" dirty="0"/>
           </a:p>
@@ -4392,7 +4392,7 @@
             <a:fld id="{B61BEF0D-F0BB-DE4B-95CE-6DB70DBA9567}" type="datetimeFigureOut">
               <a:rPr lang="en-US" dirty="0"/>
               <a:pPr/>
-              <a:t>1/2/23</a:t>
+              <a:t>1/4/23</a:t>
             </a:fld>
             <a:endParaRPr lang="en-US" dirty="0"/>
           </a:p>
@@ -4644,7 +4644,7 @@
             <a:fld id="{B61BEF0D-F0BB-DE4B-95CE-6DB70DBA9567}" type="datetimeFigureOut">
               <a:rPr lang="en-US" dirty="0"/>
               <a:pPr/>
-              <a:t>1/2/23</a:t>
+              <a:t>1/4/23</a:t>
             </a:fld>
             <a:endParaRPr lang="en-US" dirty="0"/>
           </a:p>
@@ -4956,7 +4956,7 @@
             <a:fld id="{B61BEF0D-F0BB-DE4B-95CE-6DB70DBA9567}" type="datetimeFigureOut">
               <a:rPr lang="en-US" dirty="0"/>
               <a:pPr/>
-              <a:t>1/2/23</a:t>
+              <a:t>1/4/23</a:t>
             </a:fld>
             <a:endParaRPr lang="en-US" dirty="0"/>
           </a:p>
@@ -5304,7 +5304,7 @@
             <a:fld id="{B61BEF0D-F0BB-DE4B-95CE-6DB70DBA9567}" type="datetimeFigureOut">
               <a:rPr lang="en-US" dirty="0"/>
               <a:pPr/>
-              <a:t>1/2/23</a:t>
+              <a:t>1/4/23</a:t>
             </a:fld>
             <a:endParaRPr lang="en-US" dirty="0"/>
           </a:p>
@@ -5986,8 +5986,8 @@
         </p:nvSpPr>
         <p:spPr>
           <a:xfrm>
-            <a:off x="4408581" y="5440322"/>
-            <a:ext cx="3374835" cy="369332"/>
+            <a:off x="5303152" y="5382194"/>
+            <a:ext cx="1585692" cy="276999"/>
           </a:xfrm>
           <a:prstGeom prst="rect">
             <a:avLst/>
@@ -6000,9 +6000,10 @@
           </a:bodyPr>
           <a:lstStyle/>
           <a:p>
-            <a:r>
-              <a:rPr lang="en-US" dirty="0"/>
-              <a:t>{analysis by Aaron Galbraith 2023}</a:t>
+            <a:pPr algn="ctr"/>
+            <a:r>
+              <a:rPr lang="en-US" sz="1200" dirty="0"/>
+              <a:t>Aaron Galbraith • 2023</a:t>
             </a:r>
           </a:p>
         </p:txBody>
